--- a/doc/Compute Host Utilization.pptx
+++ b/doc/Compute Host Utilization.pptx
@@ -6,6 +6,7 @@
   </p:sldMasterIdLst>
   <p:sldIdLst>
     <p:sldId id="256" r:id="rId2"/>
+    <p:sldId id="257" r:id="rId3"/>
   </p:sldIdLst>
   <p:sldSz cx="12192000" cy="6858000"/>
   <p:notesSz cx="6858000" cy="9144000"/>
@@ -104,6 +105,11 @@
       </a:defRPr>
     </a:lvl9pPr>
   </p:defaultTextStyle>
+  <p:extLst>
+    <p:ext uri="{EFAFB233-063F-42B5-8137-9DF3F51BA10A}">
+      <p15:sldGuideLst xmlns:p15="http://schemas.microsoft.com/office/powerpoint/2012/main"/>
+    </p:ext>
+  </p:extLst>
 </p:presentation>
 </file>
 
@@ -254,7 +260,7 @@
           <a:p>
             <a:fld id="{F0592968-8621-D848-B62C-33AE5CFE4B49}" type="datetimeFigureOut">
               <a:rPr lang="en-US" smtClean="0"/>
-              <a:t>5/17/19</a:t>
+              <a:t>5/19/19</a:t>
             </a:fld>
             <a:endParaRPr lang="en-US"/>
           </a:p>
@@ -452,7 +458,7 @@
           <a:p>
             <a:fld id="{F0592968-8621-D848-B62C-33AE5CFE4B49}" type="datetimeFigureOut">
               <a:rPr lang="en-US" smtClean="0"/>
-              <a:t>5/17/19</a:t>
+              <a:t>5/19/19</a:t>
             </a:fld>
             <a:endParaRPr lang="en-US"/>
           </a:p>
@@ -660,7 +666,7 @@
           <a:p>
             <a:fld id="{F0592968-8621-D848-B62C-33AE5CFE4B49}" type="datetimeFigureOut">
               <a:rPr lang="en-US" smtClean="0"/>
-              <a:t>5/17/19</a:t>
+              <a:t>5/19/19</a:t>
             </a:fld>
             <a:endParaRPr lang="en-US"/>
           </a:p>
@@ -858,7 +864,7 @@
           <a:p>
             <a:fld id="{F0592968-8621-D848-B62C-33AE5CFE4B49}" type="datetimeFigureOut">
               <a:rPr lang="en-US" smtClean="0"/>
-              <a:t>5/17/19</a:t>
+              <a:t>5/19/19</a:t>
             </a:fld>
             <a:endParaRPr lang="en-US"/>
           </a:p>
@@ -1133,7 +1139,7 @@
           <a:p>
             <a:fld id="{F0592968-8621-D848-B62C-33AE5CFE4B49}" type="datetimeFigureOut">
               <a:rPr lang="en-US" smtClean="0"/>
-              <a:t>5/17/19</a:t>
+              <a:t>5/19/19</a:t>
             </a:fld>
             <a:endParaRPr lang="en-US"/>
           </a:p>
@@ -1398,7 +1404,7 @@
           <a:p>
             <a:fld id="{F0592968-8621-D848-B62C-33AE5CFE4B49}" type="datetimeFigureOut">
               <a:rPr lang="en-US" smtClean="0"/>
-              <a:t>5/17/19</a:t>
+              <a:t>5/19/19</a:t>
             </a:fld>
             <a:endParaRPr lang="en-US"/>
           </a:p>
@@ -1810,7 +1816,7 @@
           <a:p>
             <a:fld id="{F0592968-8621-D848-B62C-33AE5CFE4B49}" type="datetimeFigureOut">
               <a:rPr lang="en-US" smtClean="0"/>
-              <a:t>5/17/19</a:t>
+              <a:t>5/19/19</a:t>
             </a:fld>
             <a:endParaRPr lang="en-US"/>
           </a:p>
@@ -1951,7 +1957,7 @@
           <a:p>
             <a:fld id="{F0592968-8621-D848-B62C-33AE5CFE4B49}" type="datetimeFigureOut">
               <a:rPr lang="en-US" smtClean="0"/>
-              <a:t>5/17/19</a:t>
+              <a:t>5/19/19</a:t>
             </a:fld>
             <a:endParaRPr lang="en-US"/>
           </a:p>
@@ -2064,7 +2070,7 @@
           <a:p>
             <a:fld id="{F0592968-8621-D848-B62C-33AE5CFE4B49}" type="datetimeFigureOut">
               <a:rPr lang="en-US" smtClean="0"/>
-              <a:t>5/17/19</a:t>
+              <a:t>5/19/19</a:t>
             </a:fld>
             <a:endParaRPr lang="en-US"/>
           </a:p>
@@ -2375,7 +2381,7 @@
           <a:p>
             <a:fld id="{F0592968-8621-D848-B62C-33AE5CFE4B49}" type="datetimeFigureOut">
               <a:rPr lang="en-US" smtClean="0"/>
-              <a:t>5/17/19</a:t>
+              <a:t>5/19/19</a:t>
             </a:fld>
             <a:endParaRPr lang="en-US"/>
           </a:p>
@@ -2663,7 +2669,7 @@
           <a:p>
             <a:fld id="{F0592968-8621-D848-B62C-33AE5CFE4B49}" type="datetimeFigureOut">
               <a:rPr lang="en-US" smtClean="0"/>
-              <a:t>5/17/19</a:t>
+              <a:t>5/19/19</a:t>
             </a:fld>
             <a:endParaRPr lang="en-US"/>
           </a:p>
@@ -2904,7 +2910,7 @@
           <a:p>
             <a:fld id="{F0592968-8621-D848-B62C-33AE5CFE4B49}" type="datetimeFigureOut">
               <a:rPr lang="en-US" smtClean="0"/>
-              <a:t>5/17/19</a:t>
+              <a:t>5/19/19</a:t>
             </a:fld>
             <a:endParaRPr lang="en-US"/>
           </a:p>
@@ -6076,6 +6082,66 @@
 </p:sld>
 </file>
 
+<file path=ppt/slides/slide2.xml><?xml version="1.0" encoding="utf-8"?>
+<p:sld xmlns:a="http://schemas.openxmlformats.org/drawingml/2006/main" xmlns:r="http://schemas.openxmlformats.org/officeDocument/2006/relationships" xmlns:p="http://schemas.openxmlformats.org/presentationml/2006/main">
+  <p:cSld>
+    <p:spTree>
+      <p:nvGrpSpPr>
+        <p:cNvPr id="1" name=""/>
+        <p:cNvGrpSpPr/>
+        <p:nvPr/>
+      </p:nvGrpSpPr>
+      <p:grpSpPr>
+        <a:xfrm>
+          <a:off x="0" y="0"/>
+          <a:ext cx="0" cy="0"/>
+          <a:chOff x="0" y="0"/>
+          <a:chExt cx="0" cy="0"/>
+        </a:xfrm>
+      </p:grpSpPr>
+      <p:pic>
+        <p:nvPicPr>
+          <p:cNvPr id="3" name="Picture 2">
+            <a:extLst>
+              <a:ext uri="{FF2B5EF4-FFF2-40B4-BE49-F238E27FC236}">
+                <a16:creationId xmlns:a16="http://schemas.microsoft.com/office/drawing/2014/main" id="{EDEA4829-D6BF-5846-8CB5-66EB1E3A7BA4}"/>
+              </a:ext>
+            </a:extLst>
+          </p:cNvPr>
+          <p:cNvPicPr>
+            <a:picLocks noChangeAspect="1"/>
+          </p:cNvPicPr>
+          <p:nvPr/>
+        </p:nvPicPr>
+        <p:blipFill>
+          <a:blip r:embed="rId2"/>
+          <a:stretch>
+            <a:fillRect/>
+          </a:stretch>
+        </p:blipFill>
+        <p:spPr>
+          <a:xfrm>
+            <a:off x="3803650" y="2051050"/>
+            <a:ext cx="4584700" cy="2755900"/>
+          </a:xfrm>
+          <a:prstGeom prst="rect">
+            <a:avLst/>
+          </a:prstGeom>
+        </p:spPr>
+      </p:pic>
+    </p:spTree>
+    <p:extLst>
+      <p:ext uri="{BB962C8B-B14F-4D97-AF65-F5344CB8AC3E}">
+        <p14:creationId xmlns:p14="http://schemas.microsoft.com/office/powerpoint/2010/main" val="4148897712"/>
+      </p:ext>
+    </p:extLst>
+  </p:cSld>
+  <p:clrMapOvr>
+    <a:masterClrMapping/>
+  </p:clrMapOvr>
+</p:sld>
+</file>
+
 <file path=ppt/theme/theme1.xml><?xml version="1.0" encoding="utf-8"?>
 <a:theme xmlns:a="http://schemas.openxmlformats.org/drawingml/2006/main" name="Office Theme">
   <a:themeElements>

--- a/doc/Compute Host Utilization.pptx
+++ b/doc/Compute Host Utilization.pptx
@@ -260,7 +260,7 @@
           <a:p>
             <a:fld id="{F0592968-8621-D848-B62C-33AE5CFE4B49}" type="datetimeFigureOut">
               <a:rPr lang="en-US" smtClean="0"/>
-              <a:t>5/19/19</a:t>
+              <a:t>5/23/19</a:t>
             </a:fld>
             <a:endParaRPr lang="en-US"/>
           </a:p>
@@ -458,7 +458,7 @@
           <a:p>
             <a:fld id="{F0592968-8621-D848-B62C-33AE5CFE4B49}" type="datetimeFigureOut">
               <a:rPr lang="en-US" smtClean="0"/>
-              <a:t>5/19/19</a:t>
+              <a:t>5/23/19</a:t>
             </a:fld>
             <a:endParaRPr lang="en-US"/>
           </a:p>
@@ -666,7 +666,7 @@
           <a:p>
             <a:fld id="{F0592968-8621-D848-B62C-33AE5CFE4B49}" type="datetimeFigureOut">
               <a:rPr lang="en-US" smtClean="0"/>
-              <a:t>5/19/19</a:t>
+              <a:t>5/23/19</a:t>
             </a:fld>
             <a:endParaRPr lang="en-US"/>
           </a:p>
@@ -864,7 +864,7 @@
           <a:p>
             <a:fld id="{F0592968-8621-D848-B62C-33AE5CFE4B49}" type="datetimeFigureOut">
               <a:rPr lang="en-US" smtClean="0"/>
-              <a:t>5/19/19</a:t>
+              <a:t>5/23/19</a:t>
             </a:fld>
             <a:endParaRPr lang="en-US"/>
           </a:p>
@@ -1139,7 +1139,7 @@
           <a:p>
             <a:fld id="{F0592968-8621-D848-B62C-33AE5CFE4B49}" type="datetimeFigureOut">
               <a:rPr lang="en-US" smtClean="0"/>
-              <a:t>5/19/19</a:t>
+              <a:t>5/23/19</a:t>
             </a:fld>
             <a:endParaRPr lang="en-US"/>
           </a:p>
@@ -1404,7 +1404,7 @@
           <a:p>
             <a:fld id="{F0592968-8621-D848-B62C-33AE5CFE4B49}" type="datetimeFigureOut">
               <a:rPr lang="en-US" smtClean="0"/>
-              <a:t>5/19/19</a:t>
+              <a:t>5/23/19</a:t>
             </a:fld>
             <a:endParaRPr lang="en-US"/>
           </a:p>
@@ -1816,7 +1816,7 @@
           <a:p>
             <a:fld id="{F0592968-8621-D848-B62C-33AE5CFE4B49}" type="datetimeFigureOut">
               <a:rPr lang="en-US" smtClean="0"/>
-              <a:t>5/19/19</a:t>
+              <a:t>5/23/19</a:t>
             </a:fld>
             <a:endParaRPr lang="en-US"/>
           </a:p>
@@ -1957,7 +1957,7 @@
           <a:p>
             <a:fld id="{F0592968-8621-D848-B62C-33AE5CFE4B49}" type="datetimeFigureOut">
               <a:rPr lang="en-US" smtClean="0"/>
-              <a:t>5/19/19</a:t>
+              <a:t>5/23/19</a:t>
             </a:fld>
             <a:endParaRPr lang="en-US"/>
           </a:p>
@@ -2070,7 +2070,7 @@
           <a:p>
             <a:fld id="{F0592968-8621-D848-B62C-33AE5CFE4B49}" type="datetimeFigureOut">
               <a:rPr lang="en-US" smtClean="0"/>
-              <a:t>5/19/19</a:t>
+              <a:t>5/23/19</a:t>
             </a:fld>
             <a:endParaRPr lang="en-US"/>
           </a:p>
@@ -2381,7 +2381,7 @@
           <a:p>
             <a:fld id="{F0592968-8621-D848-B62C-33AE5CFE4B49}" type="datetimeFigureOut">
               <a:rPr lang="en-US" smtClean="0"/>
-              <a:t>5/19/19</a:t>
+              <a:t>5/23/19</a:t>
             </a:fld>
             <a:endParaRPr lang="en-US"/>
           </a:p>
@@ -2669,7 +2669,7 @@
           <a:p>
             <a:fld id="{F0592968-8621-D848-B62C-33AE5CFE4B49}" type="datetimeFigureOut">
               <a:rPr lang="en-US" smtClean="0"/>
-              <a:t>5/19/19</a:t>
+              <a:t>5/23/19</a:t>
             </a:fld>
             <a:endParaRPr lang="en-US"/>
           </a:p>
@@ -2910,7 +2910,7 @@
           <a:p>
             <a:fld id="{F0592968-8621-D848-B62C-33AE5CFE4B49}" type="datetimeFigureOut">
               <a:rPr lang="en-US" smtClean="0"/>
-              <a:t>5/19/19</a:t>
+              <a:t>5/23/19</a:t>
             </a:fld>
             <a:endParaRPr lang="en-US"/>
           </a:p>
@@ -3342,14 +3342,14 @@
           <p:nvPr>
             <p:extLst>
               <p:ext uri="{D42A27DB-BD31-4B8C-83A1-F6EECF244321}">
-                <p14:modId xmlns:p14="http://schemas.microsoft.com/office/powerpoint/2010/main" val="293868929"/>
+                <p14:modId xmlns:p14="http://schemas.microsoft.com/office/powerpoint/2010/main" val="1758071156"/>
               </p:ext>
             </p:extLst>
           </p:nvPr>
         </p:nvGraphicFramePr>
         <p:xfrm>
           <a:off x="753706" y="589037"/>
-          <a:ext cx="5096590" cy="2966720"/>
+          <a:ext cx="3657600" cy="2926080"/>
         </p:xfrm>
         <a:graphic>
           <a:graphicData uri="http://schemas.openxmlformats.org/drawingml/2006/table">
@@ -3358,70 +3358,70 @@
                 <a:tableStyleId>{5C22544A-7EE6-4342-B048-85BDC9FD1C3A}</a:tableStyleId>
               </a:tblPr>
               <a:tblGrid>
-                <a:gridCol w="509659">
+                <a:gridCol w="365760">
                   <a:extLst>
                     <a:ext uri="{9D8B030D-6E8A-4147-A177-3AD203B41FA5}">
                       <a16:colId xmlns:a16="http://schemas.microsoft.com/office/drawing/2014/main" val="3676000529"/>
                     </a:ext>
                   </a:extLst>
                 </a:gridCol>
-                <a:gridCol w="509659">
+                <a:gridCol w="365760">
                   <a:extLst>
                     <a:ext uri="{9D8B030D-6E8A-4147-A177-3AD203B41FA5}">
                       <a16:colId xmlns:a16="http://schemas.microsoft.com/office/drawing/2014/main" val="1731015729"/>
                     </a:ext>
                   </a:extLst>
                 </a:gridCol>
-                <a:gridCol w="509659">
+                <a:gridCol w="365760">
                   <a:extLst>
                     <a:ext uri="{9D8B030D-6E8A-4147-A177-3AD203B41FA5}">
                       <a16:colId xmlns:a16="http://schemas.microsoft.com/office/drawing/2014/main" val="1859155452"/>
                     </a:ext>
                   </a:extLst>
                 </a:gridCol>
-                <a:gridCol w="509659">
+                <a:gridCol w="365760">
                   <a:extLst>
                     <a:ext uri="{9D8B030D-6E8A-4147-A177-3AD203B41FA5}">
                       <a16:colId xmlns:a16="http://schemas.microsoft.com/office/drawing/2014/main" val="2499006889"/>
                     </a:ext>
                   </a:extLst>
                 </a:gridCol>
-                <a:gridCol w="509659">
+                <a:gridCol w="365760">
                   <a:extLst>
                     <a:ext uri="{9D8B030D-6E8A-4147-A177-3AD203B41FA5}">
                       <a16:colId xmlns:a16="http://schemas.microsoft.com/office/drawing/2014/main" val="3866717086"/>
                     </a:ext>
                   </a:extLst>
                 </a:gridCol>
-                <a:gridCol w="509659">
+                <a:gridCol w="365760">
                   <a:extLst>
                     <a:ext uri="{9D8B030D-6E8A-4147-A177-3AD203B41FA5}">
                       <a16:colId xmlns:a16="http://schemas.microsoft.com/office/drawing/2014/main" val="758918677"/>
                     </a:ext>
                   </a:extLst>
                 </a:gridCol>
-                <a:gridCol w="509659">
+                <a:gridCol w="365760">
                   <a:extLst>
                     <a:ext uri="{9D8B030D-6E8A-4147-A177-3AD203B41FA5}">
                       <a16:colId xmlns:a16="http://schemas.microsoft.com/office/drawing/2014/main" val="4161361467"/>
                     </a:ext>
                   </a:extLst>
                 </a:gridCol>
-                <a:gridCol w="509659">
+                <a:gridCol w="365760">
                   <a:extLst>
                     <a:ext uri="{9D8B030D-6E8A-4147-A177-3AD203B41FA5}">
                       <a16:colId xmlns:a16="http://schemas.microsoft.com/office/drawing/2014/main" val="1556421293"/>
                     </a:ext>
                   </a:extLst>
                 </a:gridCol>
-                <a:gridCol w="509659">
+                <a:gridCol w="365760">
                   <a:extLst>
                     <a:ext uri="{9D8B030D-6E8A-4147-A177-3AD203B41FA5}">
                       <a16:colId xmlns:a16="http://schemas.microsoft.com/office/drawing/2014/main" val="3121073870"/>
                     </a:ext>
                   </a:extLst>
                 </a:gridCol>
-                <a:gridCol w="509659">
+                <a:gridCol w="365760">
                   <a:extLst>
                     <a:ext uri="{9D8B030D-6E8A-4147-A177-3AD203B41FA5}">
                       <a16:colId xmlns:a16="http://schemas.microsoft.com/office/drawing/2014/main" val="2042036635"/>
@@ -3429,7 +3429,7 @@
                   </a:extLst>
                 </a:gridCol>
               </a:tblGrid>
-              <a:tr h="370840">
+              <a:tr h="365760">
                 <a:tc>
                   <a:txBody>
                     <a:bodyPr/>
@@ -3503,7 +3503,7 @@
                     <a:bodyPr/>
                     <a:lstStyle/>
                     <a:p>
-                      <a:endParaRPr lang="en-US"/>
+                      <a:endParaRPr lang="en-US" dirty="0"/>
                     </a:p>
                   </a:txBody>
                   <a:tcPr/>
@@ -3533,7 +3533,7 @@
                     <a:bodyPr/>
                     <a:lstStyle/>
                     <a:p>
-                      <a:endParaRPr lang="en-US"/>
+                      <a:endParaRPr lang="en-US" dirty="0"/>
                     </a:p>
                   </a:txBody>
                   <a:tcPr/>
@@ -3561,7 +3561,7 @@
                   </a:ext>
                 </a:extLst>
               </a:tr>
-              <a:tr h="370840">
+              <a:tr h="365760">
                 <a:tc>
                   <a:txBody>
                     <a:bodyPr/>
@@ -3717,7 +3717,7 @@
                   </a:ext>
                 </a:extLst>
               </a:tr>
-              <a:tr h="370840">
+              <a:tr h="365760">
                 <a:tc>
                   <a:txBody>
                     <a:bodyPr/>
@@ -3873,7 +3873,7 @@
                   </a:ext>
                 </a:extLst>
               </a:tr>
-              <a:tr h="370840">
+              <a:tr h="365760">
                 <a:tc>
                   <a:txBody>
                     <a:bodyPr/>
@@ -4037,7 +4037,7 @@
                   </a:ext>
                 </a:extLst>
               </a:tr>
-              <a:tr h="370840">
+              <a:tr h="365760">
                 <a:tc>
                   <a:txBody>
                     <a:bodyPr/>
@@ -4196,7 +4196,7 @@
                   </a:ext>
                 </a:extLst>
               </a:tr>
-              <a:tr h="370840">
+              <a:tr h="365760">
                 <a:tc>
                   <a:txBody>
                     <a:bodyPr/>
@@ -4349,7 +4349,7 @@
                   </a:ext>
                 </a:extLst>
               </a:tr>
-              <a:tr h="370840">
+              <a:tr h="365760">
                 <a:tc>
                   <a:txBody>
                     <a:bodyPr/>
@@ -4502,7 +4502,7 @@
                   </a:ext>
                 </a:extLst>
               </a:tr>
-              <a:tr h="370840">
+              <a:tr h="365760">
                 <a:tc>
                   <a:txBody>
                     <a:bodyPr/>
@@ -4674,14 +4674,14 @@
           <p:nvPr>
             <p:extLst>
               <p:ext uri="{D42A27DB-BD31-4B8C-83A1-F6EECF244321}">
-                <p14:modId xmlns:p14="http://schemas.microsoft.com/office/powerpoint/2010/main" val="2671805029"/>
+                <p14:modId xmlns:p14="http://schemas.microsoft.com/office/powerpoint/2010/main" val="2136491249"/>
               </p:ext>
             </p:extLst>
           </p:nvPr>
         </p:nvGraphicFramePr>
         <p:xfrm>
-          <a:off x="6439159" y="3102082"/>
-          <a:ext cx="5096590" cy="2966720"/>
+          <a:off x="5823338" y="589037"/>
+          <a:ext cx="3657600" cy="2926080"/>
         </p:xfrm>
         <a:graphic>
           <a:graphicData uri="http://schemas.openxmlformats.org/drawingml/2006/table">
@@ -4690,70 +4690,70 @@
                 <a:tableStyleId>{5C22544A-7EE6-4342-B048-85BDC9FD1C3A}</a:tableStyleId>
               </a:tblPr>
               <a:tblGrid>
-                <a:gridCol w="509659">
+                <a:gridCol w="365760">
                   <a:extLst>
                     <a:ext uri="{9D8B030D-6E8A-4147-A177-3AD203B41FA5}">
                       <a16:colId xmlns:a16="http://schemas.microsoft.com/office/drawing/2014/main" val="3676000529"/>
                     </a:ext>
                   </a:extLst>
                 </a:gridCol>
-                <a:gridCol w="509659">
+                <a:gridCol w="365760">
                   <a:extLst>
                     <a:ext uri="{9D8B030D-6E8A-4147-A177-3AD203B41FA5}">
                       <a16:colId xmlns:a16="http://schemas.microsoft.com/office/drawing/2014/main" val="1731015729"/>
                     </a:ext>
                   </a:extLst>
                 </a:gridCol>
-                <a:gridCol w="509659">
+                <a:gridCol w="365760">
                   <a:extLst>
                     <a:ext uri="{9D8B030D-6E8A-4147-A177-3AD203B41FA5}">
                       <a16:colId xmlns:a16="http://schemas.microsoft.com/office/drawing/2014/main" val="1859155452"/>
                     </a:ext>
                   </a:extLst>
                 </a:gridCol>
-                <a:gridCol w="509659">
+                <a:gridCol w="365760">
                   <a:extLst>
                     <a:ext uri="{9D8B030D-6E8A-4147-A177-3AD203B41FA5}">
                       <a16:colId xmlns:a16="http://schemas.microsoft.com/office/drawing/2014/main" val="2499006889"/>
                     </a:ext>
                   </a:extLst>
                 </a:gridCol>
-                <a:gridCol w="509659">
+                <a:gridCol w="365760">
                   <a:extLst>
                     <a:ext uri="{9D8B030D-6E8A-4147-A177-3AD203B41FA5}">
                       <a16:colId xmlns:a16="http://schemas.microsoft.com/office/drawing/2014/main" val="3866717086"/>
                     </a:ext>
                   </a:extLst>
                 </a:gridCol>
-                <a:gridCol w="509659">
+                <a:gridCol w="365760">
                   <a:extLst>
                     <a:ext uri="{9D8B030D-6E8A-4147-A177-3AD203B41FA5}">
                       <a16:colId xmlns:a16="http://schemas.microsoft.com/office/drawing/2014/main" val="758918677"/>
                     </a:ext>
                   </a:extLst>
                 </a:gridCol>
-                <a:gridCol w="509659">
+                <a:gridCol w="365760">
                   <a:extLst>
                     <a:ext uri="{9D8B030D-6E8A-4147-A177-3AD203B41FA5}">
                       <a16:colId xmlns:a16="http://schemas.microsoft.com/office/drawing/2014/main" val="4161361467"/>
                     </a:ext>
                   </a:extLst>
                 </a:gridCol>
-                <a:gridCol w="509659">
+                <a:gridCol w="365760">
                   <a:extLst>
                     <a:ext uri="{9D8B030D-6E8A-4147-A177-3AD203B41FA5}">
                       <a16:colId xmlns:a16="http://schemas.microsoft.com/office/drawing/2014/main" val="1556421293"/>
                     </a:ext>
                   </a:extLst>
                 </a:gridCol>
-                <a:gridCol w="509659">
+                <a:gridCol w="365760">
                   <a:extLst>
                     <a:ext uri="{9D8B030D-6E8A-4147-A177-3AD203B41FA5}">
                       <a16:colId xmlns:a16="http://schemas.microsoft.com/office/drawing/2014/main" val="3121073870"/>
                     </a:ext>
                   </a:extLst>
                 </a:gridCol>
-                <a:gridCol w="509659">
+                <a:gridCol w="365760">
                   <a:extLst>
                     <a:ext uri="{9D8B030D-6E8A-4147-A177-3AD203B41FA5}">
                       <a16:colId xmlns:a16="http://schemas.microsoft.com/office/drawing/2014/main" val="2042036635"/>
@@ -4761,7 +4761,7 @@
                   </a:extLst>
                 </a:gridCol>
               </a:tblGrid>
-              <a:tr h="370840">
+              <a:tr h="365760">
                 <a:tc>
                   <a:txBody>
                     <a:bodyPr/>
@@ -4928,29 +4928,29 @@
                   </a:ext>
                 </a:extLst>
               </a:tr>
-              <a:tr h="370840">
-                <a:tc>
-                  <a:txBody>
-                    <a:bodyPr/>
-                    <a:lstStyle/>
-                    <a:p>
-                      <a:endParaRPr lang="en-US" dirty="0"/>
-                    </a:p>
-                  </a:txBody>
-                  <a:tcPr>
-                    <a:solidFill>
-                      <a:schemeClr val="bg1">
-                        <a:lumMod val="85000"/>
-                      </a:schemeClr>
-                    </a:solidFill>
-                  </a:tcPr>
-                </a:tc>
-                <a:tc>
-                  <a:txBody>
-                    <a:bodyPr/>
-                    <a:lstStyle/>
-                    <a:p>
-                      <a:endParaRPr lang="en-US"/>
+              <a:tr h="365760">
+                <a:tc>
+                  <a:txBody>
+                    <a:bodyPr/>
+                    <a:lstStyle/>
+                    <a:p>
+                      <a:endParaRPr lang="en-US" dirty="0"/>
+                    </a:p>
+                  </a:txBody>
+                  <a:tcPr>
+                    <a:solidFill>
+                      <a:schemeClr val="bg1">
+                        <a:lumMod val="85000"/>
+                      </a:schemeClr>
+                    </a:solidFill>
+                  </a:tcPr>
+                </a:tc>
+                <a:tc>
+                  <a:txBody>
+                    <a:bodyPr/>
+                    <a:lstStyle/>
+                    <a:p>
+                      <a:endParaRPr lang="en-US" dirty="0"/>
                     </a:p>
                   </a:txBody>
                   <a:tcPr>
@@ -5093,7 +5093,7 @@
                   </a:ext>
                 </a:extLst>
               </a:tr>
-              <a:tr h="370840">
+              <a:tr h="365760">
                 <a:tc>
                   <a:txBody>
                     <a:bodyPr/>
@@ -5258,7 +5258,7 @@
                   </a:ext>
                 </a:extLst>
               </a:tr>
-              <a:tr h="370840">
+              <a:tr h="365760">
                 <a:tc>
                   <a:txBody>
                     <a:bodyPr/>
@@ -5423,7 +5423,7 @@
                   </a:ext>
                 </a:extLst>
               </a:tr>
-              <a:tr h="370840">
+              <a:tr h="365760">
                 <a:tc>
                   <a:txBody>
                     <a:bodyPr/>
@@ -5582,7 +5582,7 @@
                   </a:ext>
                 </a:extLst>
               </a:tr>
-              <a:tr h="370840">
+              <a:tr h="365760">
                 <a:tc>
                   <a:txBody>
                     <a:bodyPr/>
@@ -5743,7 +5743,7 @@
                   </a:ext>
                 </a:extLst>
               </a:tr>
-              <a:tr h="370840">
+              <a:tr h="365760">
                 <a:tc>
                   <a:txBody>
                     <a:bodyPr/>
@@ -5904,7 +5904,7 @@
                   </a:ext>
                 </a:extLst>
               </a:tr>
-              <a:tr h="370840">
+              <a:tr h="365760">
                 <a:tc>
                   <a:txBody>
                     <a:bodyPr/>
@@ -6052,6 +6052,4134 @@
                     </a:p>
                   </a:txBody>
                   <a:tcPr>
+                    <a:solidFill>
+                      <a:schemeClr val="bg1">
+                        <a:lumMod val="85000"/>
+                      </a:schemeClr>
+                    </a:solidFill>
+                  </a:tcPr>
+                </a:tc>
+                <a:extLst>
+                  <a:ext uri="{0D108BD9-81ED-4DB2-BD59-A6C34878D82A}">
+                    <a16:rowId xmlns:a16="http://schemas.microsoft.com/office/drawing/2014/main" val="2815280638"/>
+                  </a:ext>
+                </a:extLst>
+              </a:tr>
+            </a:tbl>
+          </a:graphicData>
+        </a:graphic>
+      </p:graphicFrame>
+      <p:graphicFrame>
+        <p:nvGraphicFramePr>
+          <p:cNvPr id="4" name="Table 3">
+            <a:extLst>
+              <a:ext uri="{FF2B5EF4-FFF2-40B4-BE49-F238E27FC236}">
+                <a16:creationId xmlns:a16="http://schemas.microsoft.com/office/drawing/2014/main" id="{92E9ABB4-C7DE-D14C-A547-C6E802D531D2}"/>
+              </a:ext>
+            </a:extLst>
+          </p:cNvPr>
+          <p:cNvGraphicFramePr>
+            <a:graphicFrameLocks noGrp="1"/>
+          </p:cNvGraphicFramePr>
+          <p:nvPr>
+            <p:extLst>
+              <p:ext uri="{D42A27DB-BD31-4B8C-83A1-F6EECF244321}">
+                <p14:modId xmlns:p14="http://schemas.microsoft.com/office/powerpoint/2010/main" val="776668942"/>
+              </p:ext>
+            </p:extLst>
+          </p:nvPr>
+        </p:nvGraphicFramePr>
+        <p:xfrm>
+          <a:off x="4249574" y="1590523"/>
+          <a:ext cx="5486400" cy="4754880"/>
+        </p:xfrm>
+        <a:graphic>
+          <a:graphicData uri="http://schemas.openxmlformats.org/drawingml/2006/table">
+            <a:tbl>
+              <a:tblPr>
+                <a:tableStyleId>{5C22544A-7EE6-4342-B048-85BDC9FD1C3A}</a:tableStyleId>
+              </a:tblPr>
+              <a:tblGrid>
+                <a:gridCol w="365760">
+                  <a:extLst>
+                    <a:ext uri="{9D8B030D-6E8A-4147-A177-3AD203B41FA5}">
+                      <a16:colId xmlns:a16="http://schemas.microsoft.com/office/drawing/2014/main" val="3676000529"/>
+                    </a:ext>
+                  </a:extLst>
+                </a:gridCol>
+                <a:gridCol w="365760">
+                  <a:extLst>
+                    <a:ext uri="{9D8B030D-6E8A-4147-A177-3AD203B41FA5}">
+                      <a16:colId xmlns:a16="http://schemas.microsoft.com/office/drawing/2014/main" val="1731015729"/>
+                    </a:ext>
+                  </a:extLst>
+                </a:gridCol>
+                <a:gridCol w="365760">
+                  <a:extLst>
+                    <a:ext uri="{9D8B030D-6E8A-4147-A177-3AD203B41FA5}">
+                      <a16:colId xmlns:a16="http://schemas.microsoft.com/office/drawing/2014/main" val="1859155452"/>
+                    </a:ext>
+                  </a:extLst>
+                </a:gridCol>
+                <a:gridCol w="365760">
+                  <a:extLst>
+                    <a:ext uri="{9D8B030D-6E8A-4147-A177-3AD203B41FA5}">
+                      <a16:colId xmlns:a16="http://schemas.microsoft.com/office/drawing/2014/main" val="2499006889"/>
+                    </a:ext>
+                  </a:extLst>
+                </a:gridCol>
+                <a:gridCol w="365760">
+                  <a:extLst>
+                    <a:ext uri="{9D8B030D-6E8A-4147-A177-3AD203B41FA5}">
+                      <a16:colId xmlns:a16="http://schemas.microsoft.com/office/drawing/2014/main" val="3866717086"/>
+                    </a:ext>
+                  </a:extLst>
+                </a:gridCol>
+                <a:gridCol w="365760">
+                  <a:extLst>
+                    <a:ext uri="{9D8B030D-6E8A-4147-A177-3AD203B41FA5}">
+                      <a16:colId xmlns:a16="http://schemas.microsoft.com/office/drawing/2014/main" val="758918677"/>
+                    </a:ext>
+                  </a:extLst>
+                </a:gridCol>
+                <a:gridCol w="365760">
+                  <a:extLst>
+                    <a:ext uri="{9D8B030D-6E8A-4147-A177-3AD203B41FA5}">
+                      <a16:colId xmlns:a16="http://schemas.microsoft.com/office/drawing/2014/main" val="4161361467"/>
+                    </a:ext>
+                  </a:extLst>
+                </a:gridCol>
+                <a:gridCol w="365760">
+                  <a:extLst>
+                    <a:ext uri="{9D8B030D-6E8A-4147-A177-3AD203B41FA5}">
+                      <a16:colId xmlns:a16="http://schemas.microsoft.com/office/drawing/2014/main" val="1556421293"/>
+                    </a:ext>
+                  </a:extLst>
+                </a:gridCol>
+                <a:gridCol w="365760">
+                  <a:extLst>
+                    <a:ext uri="{9D8B030D-6E8A-4147-A177-3AD203B41FA5}">
+                      <a16:colId xmlns:a16="http://schemas.microsoft.com/office/drawing/2014/main" val="3121073870"/>
+                    </a:ext>
+                  </a:extLst>
+                </a:gridCol>
+                <a:gridCol w="365760">
+                  <a:extLst>
+                    <a:ext uri="{9D8B030D-6E8A-4147-A177-3AD203B41FA5}">
+                      <a16:colId xmlns:a16="http://schemas.microsoft.com/office/drawing/2014/main" val="2042036635"/>
+                    </a:ext>
+                  </a:extLst>
+                </a:gridCol>
+                <a:gridCol w="365760">
+                  <a:extLst>
+                    <a:ext uri="{9D8B030D-6E8A-4147-A177-3AD203B41FA5}">
+                      <a16:colId xmlns:a16="http://schemas.microsoft.com/office/drawing/2014/main" val="1271982921"/>
+                    </a:ext>
+                  </a:extLst>
+                </a:gridCol>
+                <a:gridCol w="365760">
+                  <a:extLst>
+                    <a:ext uri="{9D8B030D-6E8A-4147-A177-3AD203B41FA5}">
+                      <a16:colId xmlns:a16="http://schemas.microsoft.com/office/drawing/2014/main" val="1612849685"/>
+                    </a:ext>
+                  </a:extLst>
+                </a:gridCol>
+                <a:gridCol w="365760">
+                  <a:extLst>
+                    <a:ext uri="{9D8B030D-6E8A-4147-A177-3AD203B41FA5}">
+                      <a16:colId xmlns:a16="http://schemas.microsoft.com/office/drawing/2014/main" val="893125001"/>
+                    </a:ext>
+                  </a:extLst>
+                </a:gridCol>
+                <a:gridCol w="365760">
+                  <a:extLst>
+                    <a:ext uri="{9D8B030D-6E8A-4147-A177-3AD203B41FA5}">
+                      <a16:colId xmlns:a16="http://schemas.microsoft.com/office/drawing/2014/main" val="2581246296"/>
+                    </a:ext>
+                  </a:extLst>
+                </a:gridCol>
+                <a:gridCol w="365760">
+                  <a:extLst>
+                    <a:ext uri="{9D8B030D-6E8A-4147-A177-3AD203B41FA5}">
+                      <a16:colId xmlns:a16="http://schemas.microsoft.com/office/drawing/2014/main" val="742439112"/>
+                    </a:ext>
+                  </a:extLst>
+                </a:gridCol>
+              </a:tblGrid>
+              <a:tr h="365760">
+                <a:tc>
+                  <a:txBody>
+                    <a:bodyPr/>
+                    <a:lstStyle/>
+                    <a:p>
+                      <a:endParaRPr lang="en-US" dirty="0"/>
+                    </a:p>
+                  </a:txBody>
+                  <a:tcPr>
+                    <a:lnL w="57150" cap="flat" cmpd="sng" algn="ctr">
+                      <a:solidFill>
+                        <a:srgbClr val="FF0000"/>
+                      </a:solidFill>
+                      <a:prstDash val="solid"/>
+                      <a:round/>
+                      <a:headEnd type="none" w="med" len="med"/>
+                      <a:tailEnd type="none" w="med" len="med"/>
+                    </a:lnL>
+                    <a:lnT w="57150" cap="flat" cmpd="sng" algn="ctr">
+                      <a:solidFill>
+                        <a:srgbClr val="FF0000"/>
+                      </a:solidFill>
+                      <a:prstDash val="solid"/>
+                      <a:round/>
+                      <a:headEnd type="none" w="med" len="med"/>
+                      <a:tailEnd type="none" w="med" len="med"/>
+                    </a:lnT>
+                    <a:solidFill>
+                      <a:schemeClr val="bg1">
+                        <a:lumMod val="85000"/>
+                      </a:schemeClr>
+                    </a:solidFill>
+                  </a:tcPr>
+                </a:tc>
+                <a:tc>
+                  <a:txBody>
+                    <a:bodyPr/>
+                    <a:lstStyle/>
+                    <a:p>
+                      <a:endParaRPr lang="en-US" dirty="0"/>
+                    </a:p>
+                  </a:txBody>
+                  <a:tcPr>
+                    <a:lnT w="57150" cap="flat" cmpd="sng" algn="ctr">
+                      <a:solidFill>
+                        <a:srgbClr val="FF0000"/>
+                      </a:solidFill>
+                      <a:prstDash val="solid"/>
+                      <a:round/>
+                      <a:headEnd type="none" w="med" len="med"/>
+                      <a:tailEnd type="none" w="med" len="med"/>
+                    </a:lnT>
+                    <a:solidFill>
+                      <a:schemeClr val="bg1">
+                        <a:lumMod val="85000"/>
+                      </a:schemeClr>
+                    </a:solidFill>
+                  </a:tcPr>
+                </a:tc>
+                <a:tc>
+                  <a:txBody>
+                    <a:bodyPr/>
+                    <a:lstStyle/>
+                    <a:p>
+                      <a:endParaRPr lang="en-US"/>
+                    </a:p>
+                  </a:txBody>
+                  <a:tcPr>
+                    <a:lnT w="57150" cap="flat" cmpd="sng" algn="ctr">
+                      <a:solidFill>
+                        <a:srgbClr val="FF0000"/>
+                      </a:solidFill>
+                      <a:prstDash val="solid"/>
+                      <a:round/>
+                      <a:headEnd type="none" w="med" len="med"/>
+                      <a:tailEnd type="none" w="med" len="med"/>
+                    </a:lnT>
+                    <a:solidFill>
+                      <a:schemeClr val="bg1">
+                        <a:lumMod val="85000"/>
+                      </a:schemeClr>
+                    </a:solidFill>
+                  </a:tcPr>
+                </a:tc>
+                <a:tc>
+                  <a:txBody>
+                    <a:bodyPr/>
+                    <a:lstStyle/>
+                    <a:p>
+                      <a:endParaRPr lang="en-US"/>
+                    </a:p>
+                  </a:txBody>
+                  <a:tcPr>
+                    <a:lnT w="57150" cap="flat" cmpd="sng" algn="ctr">
+                      <a:solidFill>
+                        <a:srgbClr val="FF0000"/>
+                      </a:solidFill>
+                      <a:prstDash val="solid"/>
+                      <a:round/>
+                      <a:headEnd type="none" w="med" len="med"/>
+                      <a:tailEnd type="none" w="med" len="med"/>
+                    </a:lnT>
+                    <a:solidFill>
+                      <a:schemeClr val="bg1">
+                        <a:lumMod val="85000"/>
+                      </a:schemeClr>
+                    </a:solidFill>
+                  </a:tcPr>
+                </a:tc>
+                <a:tc>
+                  <a:txBody>
+                    <a:bodyPr/>
+                    <a:lstStyle/>
+                    <a:p>
+                      <a:endParaRPr lang="en-US"/>
+                    </a:p>
+                  </a:txBody>
+                  <a:tcPr>
+                    <a:lnT w="57150" cap="flat" cmpd="sng" algn="ctr">
+                      <a:solidFill>
+                        <a:srgbClr val="FF0000"/>
+                      </a:solidFill>
+                      <a:prstDash val="solid"/>
+                      <a:round/>
+                      <a:headEnd type="none" w="med" len="med"/>
+                      <a:tailEnd type="none" w="med" len="med"/>
+                    </a:lnT>
+                    <a:solidFill>
+                      <a:schemeClr val="bg1">
+                        <a:lumMod val="85000"/>
+                      </a:schemeClr>
+                    </a:solidFill>
+                  </a:tcPr>
+                </a:tc>
+                <a:tc>
+                  <a:txBody>
+                    <a:bodyPr/>
+                    <a:lstStyle/>
+                    <a:p>
+                      <a:endParaRPr lang="en-US"/>
+                    </a:p>
+                  </a:txBody>
+                  <a:tcPr>
+                    <a:lnT w="57150" cap="flat" cmpd="sng" algn="ctr">
+                      <a:solidFill>
+                        <a:srgbClr val="FF0000"/>
+                      </a:solidFill>
+                      <a:prstDash val="solid"/>
+                      <a:round/>
+                      <a:headEnd type="none" w="med" len="med"/>
+                      <a:tailEnd type="none" w="med" len="med"/>
+                    </a:lnT>
+                    <a:solidFill>
+                      <a:schemeClr val="bg1">
+                        <a:lumMod val="85000"/>
+                      </a:schemeClr>
+                    </a:solidFill>
+                  </a:tcPr>
+                </a:tc>
+                <a:tc>
+                  <a:txBody>
+                    <a:bodyPr/>
+                    <a:lstStyle/>
+                    <a:p>
+                      <a:endParaRPr lang="en-US"/>
+                    </a:p>
+                  </a:txBody>
+                  <a:tcPr>
+                    <a:lnT w="57150" cap="flat" cmpd="sng" algn="ctr">
+                      <a:solidFill>
+                        <a:srgbClr val="FF0000"/>
+                      </a:solidFill>
+                      <a:prstDash val="solid"/>
+                      <a:round/>
+                      <a:headEnd type="none" w="med" len="med"/>
+                      <a:tailEnd type="none" w="med" len="med"/>
+                    </a:lnT>
+                    <a:solidFill>
+                      <a:schemeClr val="bg1">
+                        <a:lumMod val="85000"/>
+                      </a:schemeClr>
+                    </a:solidFill>
+                  </a:tcPr>
+                </a:tc>
+                <a:tc>
+                  <a:txBody>
+                    <a:bodyPr/>
+                    <a:lstStyle/>
+                    <a:p>
+                      <a:endParaRPr lang="en-US"/>
+                    </a:p>
+                  </a:txBody>
+                  <a:tcPr>
+                    <a:lnT w="57150" cap="flat" cmpd="sng" algn="ctr">
+                      <a:solidFill>
+                        <a:srgbClr val="FF0000"/>
+                      </a:solidFill>
+                      <a:prstDash val="solid"/>
+                      <a:round/>
+                      <a:headEnd type="none" w="med" len="med"/>
+                      <a:tailEnd type="none" w="med" len="med"/>
+                    </a:lnT>
+                    <a:solidFill>
+                      <a:schemeClr val="bg1">
+                        <a:lumMod val="85000"/>
+                      </a:schemeClr>
+                    </a:solidFill>
+                  </a:tcPr>
+                </a:tc>
+                <a:tc>
+                  <a:txBody>
+                    <a:bodyPr/>
+                    <a:lstStyle/>
+                    <a:p>
+                      <a:endParaRPr lang="en-US" dirty="0"/>
+                    </a:p>
+                  </a:txBody>
+                  <a:tcPr>
+                    <a:lnT w="57150" cap="flat" cmpd="sng" algn="ctr">
+                      <a:solidFill>
+                        <a:srgbClr val="FF0000"/>
+                      </a:solidFill>
+                      <a:prstDash val="solid"/>
+                      <a:round/>
+                      <a:headEnd type="none" w="med" len="med"/>
+                      <a:tailEnd type="none" w="med" len="med"/>
+                    </a:lnT>
+                    <a:solidFill>
+                      <a:schemeClr val="bg1">
+                        <a:lumMod val="85000"/>
+                      </a:schemeClr>
+                    </a:solidFill>
+                  </a:tcPr>
+                </a:tc>
+                <a:tc>
+                  <a:txBody>
+                    <a:bodyPr/>
+                    <a:lstStyle/>
+                    <a:p>
+                      <a:endParaRPr lang="en-US" dirty="0"/>
+                    </a:p>
+                  </a:txBody>
+                  <a:tcPr>
+                    <a:lnT w="57150" cap="flat" cmpd="sng" algn="ctr">
+                      <a:solidFill>
+                        <a:srgbClr val="FF0000"/>
+                      </a:solidFill>
+                      <a:prstDash val="solid"/>
+                      <a:round/>
+                      <a:headEnd type="none" w="med" len="med"/>
+                      <a:tailEnd type="none" w="med" len="med"/>
+                    </a:lnT>
+                    <a:solidFill>
+                      <a:schemeClr val="bg1">
+                        <a:lumMod val="85000"/>
+                      </a:schemeClr>
+                    </a:solidFill>
+                  </a:tcPr>
+                </a:tc>
+                <a:tc>
+                  <a:txBody>
+                    <a:bodyPr/>
+                    <a:lstStyle/>
+                    <a:p>
+                      <a:endParaRPr lang="en-US" dirty="0"/>
+                    </a:p>
+                  </a:txBody>
+                  <a:tcPr>
+                    <a:lnT w="57150" cap="flat" cmpd="sng" algn="ctr">
+                      <a:solidFill>
+                        <a:srgbClr val="FF0000"/>
+                      </a:solidFill>
+                      <a:prstDash val="solid"/>
+                      <a:round/>
+                      <a:headEnd type="none" w="med" len="med"/>
+                      <a:tailEnd type="none" w="med" len="med"/>
+                    </a:lnT>
+                    <a:solidFill>
+                      <a:schemeClr val="bg1">
+                        <a:lumMod val="85000"/>
+                      </a:schemeClr>
+                    </a:solidFill>
+                  </a:tcPr>
+                </a:tc>
+                <a:tc>
+                  <a:txBody>
+                    <a:bodyPr/>
+                    <a:lstStyle/>
+                    <a:p>
+                      <a:endParaRPr lang="en-US" dirty="0"/>
+                    </a:p>
+                  </a:txBody>
+                  <a:tcPr>
+                    <a:lnT w="57150" cap="flat" cmpd="sng" algn="ctr">
+                      <a:solidFill>
+                        <a:srgbClr val="FF0000"/>
+                      </a:solidFill>
+                      <a:prstDash val="solid"/>
+                      <a:round/>
+                      <a:headEnd type="none" w="med" len="med"/>
+                      <a:tailEnd type="none" w="med" len="med"/>
+                    </a:lnT>
+                    <a:solidFill>
+                      <a:schemeClr val="bg1">
+                        <a:lumMod val="85000"/>
+                      </a:schemeClr>
+                    </a:solidFill>
+                  </a:tcPr>
+                </a:tc>
+                <a:tc>
+                  <a:txBody>
+                    <a:bodyPr/>
+                    <a:lstStyle/>
+                    <a:p>
+                      <a:endParaRPr lang="en-US" dirty="0"/>
+                    </a:p>
+                  </a:txBody>
+                  <a:tcPr>
+                    <a:lnT w="57150" cap="flat" cmpd="sng" algn="ctr">
+                      <a:solidFill>
+                        <a:srgbClr val="FF0000"/>
+                      </a:solidFill>
+                      <a:prstDash val="solid"/>
+                      <a:round/>
+                      <a:headEnd type="none" w="med" len="med"/>
+                      <a:tailEnd type="none" w="med" len="med"/>
+                    </a:lnT>
+                    <a:solidFill>
+                      <a:schemeClr val="bg1">
+                        <a:lumMod val="85000"/>
+                      </a:schemeClr>
+                    </a:solidFill>
+                  </a:tcPr>
+                </a:tc>
+                <a:tc>
+                  <a:txBody>
+                    <a:bodyPr/>
+                    <a:lstStyle/>
+                    <a:p>
+                      <a:endParaRPr lang="en-US" dirty="0"/>
+                    </a:p>
+                  </a:txBody>
+                  <a:tcPr>
+                    <a:lnT w="57150" cap="flat" cmpd="sng" algn="ctr">
+                      <a:solidFill>
+                        <a:srgbClr val="FF0000"/>
+                      </a:solidFill>
+                      <a:prstDash val="solid"/>
+                      <a:round/>
+                      <a:headEnd type="none" w="med" len="med"/>
+                      <a:tailEnd type="none" w="med" len="med"/>
+                    </a:lnT>
+                    <a:solidFill>
+                      <a:schemeClr val="bg1">
+                        <a:lumMod val="85000"/>
+                      </a:schemeClr>
+                    </a:solidFill>
+                  </a:tcPr>
+                </a:tc>
+                <a:tc>
+                  <a:txBody>
+                    <a:bodyPr/>
+                    <a:lstStyle/>
+                    <a:p>
+                      <a:endParaRPr lang="en-US" dirty="0"/>
+                    </a:p>
+                  </a:txBody>
+                  <a:tcPr>
+                    <a:lnR w="57150" cap="flat" cmpd="sng" algn="ctr">
+                      <a:solidFill>
+                        <a:srgbClr val="FF0000"/>
+                      </a:solidFill>
+                      <a:prstDash val="solid"/>
+                      <a:round/>
+                      <a:headEnd type="none" w="med" len="med"/>
+                      <a:tailEnd type="none" w="med" len="med"/>
+                    </a:lnR>
+                    <a:lnT w="57150" cap="flat" cmpd="sng" algn="ctr">
+                      <a:solidFill>
+                        <a:srgbClr val="FF0000"/>
+                      </a:solidFill>
+                      <a:prstDash val="solid"/>
+                      <a:round/>
+                      <a:headEnd type="none" w="med" len="med"/>
+                      <a:tailEnd type="none" w="med" len="med"/>
+                    </a:lnT>
+                    <a:solidFill>
+                      <a:schemeClr val="bg1">
+                        <a:lumMod val="85000"/>
+                      </a:schemeClr>
+                    </a:solidFill>
+                  </a:tcPr>
+                </a:tc>
+                <a:extLst>
+                  <a:ext uri="{0D108BD9-81ED-4DB2-BD59-A6C34878D82A}">
+                    <a16:rowId xmlns:a16="http://schemas.microsoft.com/office/drawing/2014/main" val="1894781426"/>
+                  </a:ext>
+                </a:extLst>
+              </a:tr>
+              <a:tr h="365760">
+                <a:tc>
+                  <a:txBody>
+                    <a:bodyPr/>
+                    <a:lstStyle/>
+                    <a:p>
+                      <a:endParaRPr lang="en-US" dirty="0"/>
+                    </a:p>
+                  </a:txBody>
+                  <a:tcPr>
+                    <a:lnL w="57150" cap="flat" cmpd="sng" algn="ctr">
+                      <a:solidFill>
+                        <a:srgbClr val="FF0000"/>
+                      </a:solidFill>
+                      <a:prstDash val="solid"/>
+                      <a:round/>
+                      <a:headEnd type="none" w="med" len="med"/>
+                      <a:tailEnd type="none" w="med" len="med"/>
+                    </a:lnL>
+                    <a:solidFill>
+                      <a:schemeClr val="bg1">
+                        <a:lumMod val="85000"/>
+                      </a:schemeClr>
+                    </a:solidFill>
+                  </a:tcPr>
+                </a:tc>
+                <a:tc>
+                  <a:txBody>
+                    <a:bodyPr/>
+                    <a:lstStyle/>
+                    <a:p>
+                      <a:endParaRPr lang="en-US" dirty="0"/>
+                    </a:p>
+                  </a:txBody>
+                  <a:tcPr>
+                    <a:solidFill>
+                      <a:schemeClr val="bg1">
+                        <a:lumMod val="85000"/>
+                      </a:schemeClr>
+                    </a:solidFill>
+                  </a:tcPr>
+                </a:tc>
+                <a:tc>
+                  <a:txBody>
+                    <a:bodyPr/>
+                    <a:lstStyle/>
+                    <a:p>
+                      <a:endParaRPr lang="en-US"/>
+                    </a:p>
+                  </a:txBody>
+                  <a:tcPr>
+                    <a:solidFill>
+                      <a:schemeClr val="bg1">
+                        <a:lumMod val="85000"/>
+                      </a:schemeClr>
+                    </a:solidFill>
+                  </a:tcPr>
+                </a:tc>
+                <a:tc>
+                  <a:txBody>
+                    <a:bodyPr/>
+                    <a:lstStyle/>
+                    <a:p>
+                      <a:endParaRPr lang="en-US"/>
+                    </a:p>
+                  </a:txBody>
+                  <a:tcPr>
+                    <a:solidFill>
+                      <a:schemeClr val="bg1">
+                        <a:lumMod val="85000"/>
+                      </a:schemeClr>
+                    </a:solidFill>
+                  </a:tcPr>
+                </a:tc>
+                <a:tc>
+                  <a:txBody>
+                    <a:bodyPr/>
+                    <a:lstStyle/>
+                    <a:p>
+                      <a:endParaRPr lang="en-US" dirty="0"/>
+                    </a:p>
+                  </a:txBody>
+                  <a:tcPr>
+                    <a:solidFill>
+                      <a:schemeClr val="bg1">
+                        <a:lumMod val="85000"/>
+                      </a:schemeClr>
+                    </a:solidFill>
+                  </a:tcPr>
+                </a:tc>
+                <a:tc>
+                  <a:txBody>
+                    <a:bodyPr/>
+                    <a:lstStyle/>
+                    <a:p>
+                      <a:endParaRPr lang="en-US" dirty="0"/>
+                    </a:p>
+                  </a:txBody>
+                  <a:tcPr>
+                    <a:solidFill>
+                      <a:schemeClr val="bg1">
+                        <a:lumMod val="85000"/>
+                      </a:schemeClr>
+                    </a:solidFill>
+                  </a:tcPr>
+                </a:tc>
+                <a:tc>
+                  <a:txBody>
+                    <a:bodyPr/>
+                    <a:lstStyle/>
+                    <a:p>
+                      <a:endParaRPr lang="en-US"/>
+                    </a:p>
+                  </a:txBody>
+                  <a:tcPr>
+                    <a:solidFill>
+                      <a:schemeClr val="bg1">
+                        <a:lumMod val="85000"/>
+                      </a:schemeClr>
+                    </a:solidFill>
+                  </a:tcPr>
+                </a:tc>
+                <a:tc>
+                  <a:txBody>
+                    <a:bodyPr/>
+                    <a:lstStyle/>
+                    <a:p>
+                      <a:endParaRPr lang="en-US"/>
+                    </a:p>
+                  </a:txBody>
+                  <a:tcPr>
+                    <a:solidFill>
+                      <a:schemeClr val="bg1">
+                        <a:lumMod val="85000"/>
+                      </a:schemeClr>
+                    </a:solidFill>
+                  </a:tcPr>
+                </a:tc>
+                <a:tc>
+                  <a:txBody>
+                    <a:bodyPr/>
+                    <a:lstStyle/>
+                    <a:p>
+                      <a:endParaRPr lang="en-US" dirty="0"/>
+                    </a:p>
+                  </a:txBody>
+                  <a:tcPr>
+                    <a:solidFill>
+                      <a:schemeClr val="bg1">
+                        <a:lumMod val="85000"/>
+                      </a:schemeClr>
+                    </a:solidFill>
+                  </a:tcPr>
+                </a:tc>
+                <a:tc>
+                  <a:txBody>
+                    <a:bodyPr/>
+                    <a:lstStyle/>
+                    <a:p>
+                      <a:endParaRPr lang="en-US" dirty="0"/>
+                    </a:p>
+                  </a:txBody>
+                  <a:tcPr>
+                    <a:solidFill>
+                      <a:schemeClr val="bg1">
+                        <a:lumMod val="85000"/>
+                      </a:schemeClr>
+                    </a:solidFill>
+                  </a:tcPr>
+                </a:tc>
+                <a:tc>
+                  <a:txBody>
+                    <a:bodyPr/>
+                    <a:lstStyle/>
+                    <a:p>
+                      <a:endParaRPr lang="en-US" dirty="0"/>
+                    </a:p>
+                  </a:txBody>
+                  <a:tcPr>
+                    <a:solidFill>
+                      <a:schemeClr val="bg1">
+                        <a:lumMod val="85000"/>
+                      </a:schemeClr>
+                    </a:solidFill>
+                  </a:tcPr>
+                </a:tc>
+                <a:tc>
+                  <a:txBody>
+                    <a:bodyPr/>
+                    <a:lstStyle/>
+                    <a:p>
+                      <a:endParaRPr lang="en-US" dirty="0"/>
+                    </a:p>
+                  </a:txBody>
+                  <a:tcPr>
+                    <a:solidFill>
+                      <a:schemeClr val="bg1">
+                        <a:lumMod val="85000"/>
+                      </a:schemeClr>
+                    </a:solidFill>
+                  </a:tcPr>
+                </a:tc>
+                <a:tc>
+                  <a:txBody>
+                    <a:bodyPr/>
+                    <a:lstStyle/>
+                    <a:p>
+                      <a:endParaRPr lang="en-US" dirty="0"/>
+                    </a:p>
+                  </a:txBody>
+                  <a:tcPr>
+                    <a:solidFill>
+                      <a:schemeClr val="bg1">
+                        <a:lumMod val="85000"/>
+                      </a:schemeClr>
+                    </a:solidFill>
+                  </a:tcPr>
+                </a:tc>
+                <a:tc>
+                  <a:txBody>
+                    <a:bodyPr/>
+                    <a:lstStyle/>
+                    <a:p>
+                      <a:endParaRPr lang="en-US" dirty="0"/>
+                    </a:p>
+                  </a:txBody>
+                  <a:tcPr>
+                    <a:solidFill>
+                      <a:schemeClr val="bg1">
+                        <a:lumMod val="85000"/>
+                      </a:schemeClr>
+                    </a:solidFill>
+                  </a:tcPr>
+                </a:tc>
+                <a:tc>
+                  <a:txBody>
+                    <a:bodyPr/>
+                    <a:lstStyle/>
+                    <a:p>
+                      <a:endParaRPr lang="en-US" dirty="0"/>
+                    </a:p>
+                  </a:txBody>
+                  <a:tcPr>
+                    <a:lnR w="57150" cap="flat" cmpd="sng" algn="ctr">
+                      <a:solidFill>
+                        <a:srgbClr val="FF0000"/>
+                      </a:solidFill>
+                      <a:prstDash val="solid"/>
+                      <a:round/>
+                      <a:headEnd type="none" w="med" len="med"/>
+                      <a:tailEnd type="none" w="med" len="med"/>
+                    </a:lnR>
+                    <a:solidFill>
+                      <a:schemeClr val="bg1">
+                        <a:lumMod val="85000"/>
+                      </a:schemeClr>
+                    </a:solidFill>
+                  </a:tcPr>
+                </a:tc>
+                <a:extLst>
+                  <a:ext uri="{0D108BD9-81ED-4DB2-BD59-A6C34878D82A}">
+                    <a16:rowId xmlns:a16="http://schemas.microsoft.com/office/drawing/2014/main" val="2205307368"/>
+                  </a:ext>
+                </a:extLst>
+              </a:tr>
+              <a:tr h="365760">
+                <a:tc>
+                  <a:txBody>
+                    <a:bodyPr/>
+                    <a:lstStyle/>
+                    <a:p>
+                      <a:endParaRPr lang="en-US" dirty="0"/>
+                    </a:p>
+                  </a:txBody>
+                  <a:tcPr>
+                    <a:lnL w="57150" cap="flat" cmpd="sng" algn="ctr">
+                      <a:solidFill>
+                        <a:srgbClr val="FF0000"/>
+                      </a:solidFill>
+                      <a:prstDash val="solid"/>
+                      <a:round/>
+                      <a:headEnd type="none" w="med" len="med"/>
+                      <a:tailEnd type="none" w="med" len="med"/>
+                    </a:lnL>
+                    <a:solidFill>
+                      <a:schemeClr val="bg1">
+                        <a:lumMod val="85000"/>
+                      </a:schemeClr>
+                    </a:solidFill>
+                  </a:tcPr>
+                </a:tc>
+                <a:tc>
+                  <a:txBody>
+                    <a:bodyPr/>
+                    <a:lstStyle/>
+                    <a:p>
+                      <a:endParaRPr lang="en-US" dirty="0"/>
+                    </a:p>
+                  </a:txBody>
+                  <a:tcPr>
+                    <a:solidFill>
+                      <a:schemeClr val="bg1">
+                        <a:lumMod val="85000"/>
+                      </a:schemeClr>
+                    </a:solidFill>
+                  </a:tcPr>
+                </a:tc>
+                <a:tc>
+                  <a:txBody>
+                    <a:bodyPr/>
+                    <a:lstStyle/>
+                    <a:p>
+                      <a:endParaRPr lang="en-US"/>
+                    </a:p>
+                  </a:txBody>
+                  <a:tcPr>
+                    <a:solidFill>
+                      <a:schemeClr val="bg1">
+                        <a:lumMod val="85000"/>
+                      </a:schemeClr>
+                    </a:solidFill>
+                  </a:tcPr>
+                </a:tc>
+                <a:tc>
+                  <a:txBody>
+                    <a:bodyPr/>
+                    <a:lstStyle/>
+                    <a:p>
+                      <a:endParaRPr lang="en-US"/>
+                    </a:p>
+                  </a:txBody>
+                  <a:tcPr>
+                    <a:solidFill>
+                      <a:schemeClr val="bg1">
+                        <a:lumMod val="85000"/>
+                      </a:schemeClr>
+                    </a:solidFill>
+                  </a:tcPr>
+                </a:tc>
+                <a:tc>
+                  <a:txBody>
+                    <a:bodyPr/>
+                    <a:lstStyle/>
+                    <a:p>
+                      <a:endParaRPr lang="en-US"/>
+                    </a:p>
+                  </a:txBody>
+                  <a:tcPr>
+                    <a:solidFill>
+                      <a:schemeClr val="bg1">
+                        <a:lumMod val="85000"/>
+                      </a:schemeClr>
+                    </a:solidFill>
+                  </a:tcPr>
+                </a:tc>
+                <a:tc>
+                  <a:txBody>
+                    <a:bodyPr/>
+                    <a:lstStyle/>
+                    <a:p>
+                      <a:endParaRPr lang="en-US"/>
+                    </a:p>
+                  </a:txBody>
+                  <a:tcPr>
+                    <a:solidFill>
+                      <a:schemeClr val="bg1">
+                        <a:lumMod val="85000"/>
+                      </a:schemeClr>
+                    </a:solidFill>
+                  </a:tcPr>
+                </a:tc>
+                <a:tc>
+                  <a:txBody>
+                    <a:bodyPr/>
+                    <a:lstStyle/>
+                    <a:p>
+                      <a:endParaRPr lang="en-US"/>
+                    </a:p>
+                  </a:txBody>
+                  <a:tcPr>
+                    <a:solidFill>
+                      <a:schemeClr val="bg1">
+                        <a:lumMod val="85000"/>
+                      </a:schemeClr>
+                    </a:solidFill>
+                  </a:tcPr>
+                </a:tc>
+                <a:tc>
+                  <a:txBody>
+                    <a:bodyPr/>
+                    <a:lstStyle/>
+                    <a:p>
+                      <a:endParaRPr lang="en-US"/>
+                    </a:p>
+                  </a:txBody>
+                  <a:tcPr>
+                    <a:solidFill>
+                      <a:schemeClr val="bg1">
+                        <a:lumMod val="85000"/>
+                      </a:schemeClr>
+                    </a:solidFill>
+                  </a:tcPr>
+                </a:tc>
+                <a:tc>
+                  <a:txBody>
+                    <a:bodyPr/>
+                    <a:lstStyle/>
+                    <a:p>
+                      <a:endParaRPr lang="en-US" dirty="0"/>
+                    </a:p>
+                  </a:txBody>
+                  <a:tcPr>
+                    <a:solidFill>
+                      <a:schemeClr val="bg1">
+                        <a:lumMod val="85000"/>
+                      </a:schemeClr>
+                    </a:solidFill>
+                  </a:tcPr>
+                </a:tc>
+                <a:tc>
+                  <a:txBody>
+                    <a:bodyPr/>
+                    <a:lstStyle/>
+                    <a:p>
+                      <a:endParaRPr lang="en-US" dirty="0"/>
+                    </a:p>
+                  </a:txBody>
+                  <a:tcPr>
+                    <a:solidFill>
+                      <a:schemeClr val="bg1">
+                        <a:lumMod val="85000"/>
+                      </a:schemeClr>
+                    </a:solidFill>
+                  </a:tcPr>
+                </a:tc>
+                <a:tc>
+                  <a:txBody>
+                    <a:bodyPr/>
+                    <a:lstStyle/>
+                    <a:p>
+                      <a:endParaRPr lang="en-US" dirty="0"/>
+                    </a:p>
+                  </a:txBody>
+                  <a:tcPr>
+                    <a:solidFill>
+                      <a:schemeClr val="bg1">
+                        <a:lumMod val="85000"/>
+                      </a:schemeClr>
+                    </a:solidFill>
+                  </a:tcPr>
+                </a:tc>
+                <a:tc>
+                  <a:txBody>
+                    <a:bodyPr/>
+                    <a:lstStyle/>
+                    <a:p>
+                      <a:endParaRPr lang="en-US" dirty="0"/>
+                    </a:p>
+                  </a:txBody>
+                  <a:tcPr>
+                    <a:solidFill>
+                      <a:schemeClr val="bg1">
+                        <a:lumMod val="85000"/>
+                      </a:schemeClr>
+                    </a:solidFill>
+                  </a:tcPr>
+                </a:tc>
+                <a:tc>
+                  <a:txBody>
+                    <a:bodyPr/>
+                    <a:lstStyle/>
+                    <a:p>
+                      <a:endParaRPr lang="en-US" dirty="0"/>
+                    </a:p>
+                  </a:txBody>
+                  <a:tcPr>
+                    <a:solidFill>
+                      <a:schemeClr val="bg1">
+                        <a:lumMod val="85000"/>
+                      </a:schemeClr>
+                    </a:solidFill>
+                  </a:tcPr>
+                </a:tc>
+                <a:tc>
+                  <a:txBody>
+                    <a:bodyPr/>
+                    <a:lstStyle/>
+                    <a:p>
+                      <a:endParaRPr lang="en-US" dirty="0"/>
+                    </a:p>
+                  </a:txBody>
+                  <a:tcPr>
+                    <a:solidFill>
+                      <a:schemeClr val="bg1">
+                        <a:lumMod val="85000"/>
+                      </a:schemeClr>
+                    </a:solidFill>
+                  </a:tcPr>
+                </a:tc>
+                <a:tc>
+                  <a:txBody>
+                    <a:bodyPr/>
+                    <a:lstStyle/>
+                    <a:p>
+                      <a:endParaRPr lang="en-US" dirty="0"/>
+                    </a:p>
+                  </a:txBody>
+                  <a:tcPr>
+                    <a:lnR w="57150" cap="flat" cmpd="sng" algn="ctr">
+                      <a:solidFill>
+                        <a:srgbClr val="FF0000"/>
+                      </a:solidFill>
+                      <a:prstDash val="solid"/>
+                      <a:round/>
+                      <a:headEnd type="none" w="med" len="med"/>
+                      <a:tailEnd type="none" w="med" len="med"/>
+                    </a:lnR>
+                    <a:solidFill>
+                      <a:schemeClr val="bg1">
+                        <a:lumMod val="85000"/>
+                      </a:schemeClr>
+                    </a:solidFill>
+                  </a:tcPr>
+                </a:tc>
+                <a:extLst>
+                  <a:ext uri="{0D108BD9-81ED-4DB2-BD59-A6C34878D82A}">
+                    <a16:rowId xmlns:a16="http://schemas.microsoft.com/office/drawing/2014/main" val="1964964331"/>
+                  </a:ext>
+                </a:extLst>
+              </a:tr>
+              <a:tr h="365760">
+                <a:tc>
+                  <a:txBody>
+                    <a:bodyPr/>
+                    <a:lstStyle/>
+                    <a:p>
+                      <a:endParaRPr lang="en-US" dirty="0"/>
+                    </a:p>
+                  </a:txBody>
+                  <a:tcPr>
+                    <a:lnL w="57150" cap="flat" cmpd="sng" algn="ctr">
+                      <a:solidFill>
+                        <a:srgbClr val="FF0000"/>
+                      </a:solidFill>
+                      <a:prstDash val="solid"/>
+                      <a:round/>
+                      <a:headEnd type="none" w="med" len="med"/>
+                      <a:tailEnd type="none" w="med" len="med"/>
+                    </a:lnL>
+                    <a:solidFill>
+                      <a:schemeClr val="bg1">
+                        <a:lumMod val="85000"/>
+                      </a:schemeClr>
+                    </a:solidFill>
+                  </a:tcPr>
+                </a:tc>
+                <a:tc>
+                  <a:txBody>
+                    <a:bodyPr/>
+                    <a:lstStyle/>
+                    <a:p>
+                      <a:endParaRPr lang="en-US" dirty="0"/>
+                    </a:p>
+                  </a:txBody>
+                  <a:tcPr>
+                    <a:solidFill>
+                      <a:schemeClr val="bg1">
+                        <a:lumMod val="85000"/>
+                      </a:schemeClr>
+                    </a:solidFill>
+                  </a:tcPr>
+                </a:tc>
+                <a:tc>
+                  <a:txBody>
+                    <a:bodyPr/>
+                    <a:lstStyle/>
+                    <a:p>
+                      <a:endParaRPr lang="en-US"/>
+                    </a:p>
+                  </a:txBody>
+                  <a:tcPr>
+                    <a:solidFill>
+                      <a:schemeClr val="bg1">
+                        <a:lumMod val="85000"/>
+                      </a:schemeClr>
+                    </a:solidFill>
+                  </a:tcPr>
+                </a:tc>
+                <a:tc>
+                  <a:txBody>
+                    <a:bodyPr/>
+                    <a:lstStyle/>
+                    <a:p>
+                      <a:endParaRPr lang="en-US"/>
+                    </a:p>
+                  </a:txBody>
+                  <a:tcPr>
+                    <a:solidFill>
+                      <a:schemeClr val="bg1">
+                        <a:lumMod val="85000"/>
+                      </a:schemeClr>
+                    </a:solidFill>
+                  </a:tcPr>
+                </a:tc>
+                <a:tc>
+                  <a:txBody>
+                    <a:bodyPr/>
+                    <a:lstStyle/>
+                    <a:p>
+                      <a:endParaRPr lang="en-US"/>
+                    </a:p>
+                  </a:txBody>
+                  <a:tcPr>
+                    <a:solidFill>
+                      <a:schemeClr val="bg1">
+                        <a:lumMod val="85000"/>
+                      </a:schemeClr>
+                    </a:solidFill>
+                  </a:tcPr>
+                </a:tc>
+                <a:tc>
+                  <a:txBody>
+                    <a:bodyPr/>
+                    <a:lstStyle/>
+                    <a:p>
+                      <a:endParaRPr lang="en-US"/>
+                    </a:p>
+                  </a:txBody>
+                  <a:tcPr>
+                    <a:solidFill>
+                      <a:schemeClr val="bg1">
+                        <a:lumMod val="85000"/>
+                      </a:schemeClr>
+                    </a:solidFill>
+                  </a:tcPr>
+                </a:tc>
+                <a:tc>
+                  <a:txBody>
+                    <a:bodyPr/>
+                    <a:lstStyle/>
+                    <a:p>
+                      <a:endParaRPr lang="en-US"/>
+                    </a:p>
+                  </a:txBody>
+                  <a:tcPr>
+                    <a:solidFill>
+                      <a:schemeClr val="bg1">
+                        <a:lumMod val="85000"/>
+                      </a:schemeClr>
+                    </a:solidFill>
+                  </a:tcPr>
+                </a:tc>
+                <a:tc>
+                  <a:txBody>
+                    <a:bodyPr/>
+                    <a:lstStyle/>
+                    <a:p>
+                      <a:endParaRPr lang="en-US"/>
+                    </a:p>
+                  </a:txBody>
+                  <a:tcPr>
+                    <a:solidFill>
+                      <a:schemeClr val="bg1">
+                        <a:lumMod val="85000"/>
+                      </a:schemeClr>
+                    </a:solidFill>
+                  </a:tcPr>
+                </a:tc>
+                <a:tc>
+                  <a:txBody>
+                    <a:bodyPr/>
+                    <a:lstStyle/>
+                    <a:p>
+                      <a:endParaRPr lang="en-US" dirty="0"/>
+                    </a:p>
+                  </a:txBody>
+                  <a:tcPr>
+                    <a:solidFill>
+                      <a:schemeClr val="bg1">
+                        <a:lumMod val="85000"/>
+                      </a:schemeClr>
+                    </a:solidFill>
+                  </a:tcPr>
+                </a:tc>
+                <a:tc>
+                  <a:txBody>
+                    <a:bodyPr/>
+                    <a:lstStyle/>
+                    <a:p>
+                      <a:endParaRPr lang="en-US" dirty="0"/>
+                    </a:p>
+                  </a:txBody>
+                  <a:tcPr>
+                    <a:solidFill>
+                      <a:schemeClr val="bg1">
+                        <a:lumMod val="85000"/>
+                      </a:schemeClr>
+                    </a:solidFill>
+                  </a:tcPr>
+                </a:tc>
+                <a:tc>
+                  <a:txBody>
+                    <a:bodyPr/>
+                    <a:lstStyle/>
+                    <a:p>
+                      <a:endParaRPr lang="en-US" dirty="0"/>
+                    </a:p>
+                  </a:txBody>
+                  <a:tcPr>
+                    <a:solidFill>
+                      <a:schemeClr val="bg1">
+                        <a:lumMod val="85000"/>
+                      </a:schemeClr>
+                    </a:solidFill>
+                  </a:tcPr>
+                </a:tc>
+                <a:tc>
+                  <a:txBody>
+                    <a:bodyPr/>
+                    <a:lstStyle/>
+                    <a:p>
+                      <a:endParaRPr lang="en-US" dirty="0"/>
+                    </a:p>
+                  </a:txBody>
+                  <a:tcPr>
+                    <a:solidFill>
+                      <a:schemeClr val="bg1">
+                        <a:lumMod val="85000"/>
+                      </a:schemeClr>
+                    </a:solidFill>
+                  </a:tcPr>
+                </a:tc>
+                <a:tc>
+                  <a:txBody>
+                    <a:bodyPr/>
+                    <a:lstStyle/>
+                    <a:p>
+                      <a:endParaRPr lang="en-US" dirty="0"/>
+                    </a:p>
+                  </a:txBody>
+                  <a:tcPr>
+                    <a:solidFill>
+                      <a:schemeClr val="bg1">
+                        <a:lumMod val="85000"/>
+                      </a:schemeClr>
+                    </a:solidFill>
+                  </a:tcPr>
+                </a:tc>
+                <a:tc>
+                  <a:txBody>
+                    <a:bodyPr/>
+                    <a:lstStyle/>
+                    <a:p>
+                      <a:endParaRPr lang="en-US" dirty="0"/>
+                    </a:p>
+                  </a:txBody>
+                  <a:tcPr>
+                    <a:solidFill>
+                      <a:schemeClr val="bg1">
+                        <a:lumMod val="85000"/>
+                      </a:schemeClr>
+                    </a:solidFill>
+                  </a:tcPr>
+                </a:tc>
+                <a:tc>
+                  <a:txBody>
+                    <a:bodyPr/>
+                    <a:lstStyle/>
+                    <a:p>
+                      <a:endParaRPr lang="en-US" dirty="0"/>
+                    </a:p>
+                  </a:txBody>
+                  <a:tcPr>
+                    <a:lnR w="57150" cap="flat" cmpd="sng" algn="ctr">
+                      <a:solidFill>
+                        <a:srgbClr val="FF0000"/>
+                      </a:solidFill>
+                      <a:prstDash val="solid"/>
+                      <a:round/>
+                      <a:headEnd type="none" w="med" len="med"/>
+                      <a:tailEnd type="none" w="med" len="med"/>
+                    </a:lnR>
+                    <a:solidFill>
+                      <a:schemeClr val="bg1">
+                        <a:lumMod val="85000"/>
+                      </a:schemeClr>
+                    </a:solidFill>
+                  </a:tcPr>
+                </a:tc>
+                <a:extLst>
+                  <a:ext uri="{0D108BD9-81ED-4DB2-BD59-A6C34878D82A}">
+                    <a16:rowId xmlns:a16="http://schemas.microsoft.com/office/drawing/2014/main" val="2401021703"/>
+                  </a:ext>
+                </a:extLst>
+              </a:tr>
+              <a:tr h="365760">
+                <a:tc>
+                  <a:txBody>
+                    <a:bodyPr/>
+                    <a:lstStyle/>
+                    <a:p>
+                      <a:endParaRPr lang="en-US" dirty="0"/>
+                    </a:p>
+                  </a:txBody>
+                  <a:tcPr>
+                    <a:lnL w="57150" cap="flat" cmpd="sng" algn="ctr">
+                      <a:solidFill>
+                        <a:srgbClr val="FF0000"/>
+                      </a:solidFill>
+                      <a:prstDash val="solid"/>
+                      <a:round/>
+                      <a:headEnd type="none" w="med" len="med"/>
+                      <a:tailEnd type="none" w="med" len="med"/>
+                    </a:lnL>
+                    <a:lnB w="57150" cap="flat" cmpd="sng" algn="ctr">
+                      <a:solidFill>
+                        <a:srgbClr val="002060"/>
+                      </a:solidFill>
+                      <a:prstDash val="solid"/>
+                      <a:round/>
+                      <a:headEnd type="none" w="med" len="med"/>
+                      <a:tailEnd type="none" w="med" len="med"/>
+                    </a:lnB>
+                    <a:solidFill>
+                      <a:schemeClr val="bg1">
+                        <a:lumMod val="85000"/>
+                      </a:schemeClr>
+                    </a:solidFill>
+                  </a:tcPr>
+                </a:tc>
+                <a:tc>
+                  <a:txBody>
+                    <a:bodyPr/>
+                    <a:lstStyle/>
+                    <a:p>
+                      <a:endParaRPr lang="en-US" dirty="0"/>
+                    </a:p>
+                  </a:txBody>
+                  <a:tcPr>
+                    <a:lnB w="57150" cap="flat" cmpd="sng" algn="ctr">
+                      <a:solidFill>
+                        <a:srgbClr val="002060"/>
+                      </a:solidFill>
+                      <a:prstDash val="solid"/>
+                      <a:round/>
+                      <a:headEnd type="none" w="med" len="med"/>
+                      <a:tailEnd type="none" w="med" len="med"/>
+                    </a:lnB>
+                    <a:solidFill>
+                      <a:schemeClr val="bg1">
+                        <a:lumMod val="85000"/>
+                      </a:schemeClr>
+                    </a:solidFill>
+                  </a:tcPr>
+                </a:tc>
+                <a:tc>
+                  <a:txBody>
+                    <a:bodyPr/>
+                    <a:lstStyle/>
+                    <a:p>
+                      <a:endParaRPr lang="en-US"/>
+                    </a:p>
+                  </a:txBody>
+                  <a:tcPr>
+                    <a:lnB w="57150" cap="flat" cmpd="sng" algn="ctr">
+                      <a:solidFill>
+                        <a:srgbClr val="002060"/>
+                      </a:solidFill>
+                      <a:prstDash val="solid"/>
+                      <a:round/>
+                      <a:headEnd type="none" w="med" len="med"/>
+                      <a:tailEnd type="none" w="med" len="med"/>
+                    </a:lnB>
+                    <a:solidFill>
+                      <a:schemeClr val="bg1">
+                        <a:lumMod val="85000"/>
+                      </a:schemeClr>
+                    </a:solidFill>
+                  </a:tcPr>
+                </a:tc>
+                <a:tc>
+                  <a:txBody>
+                    <a:bodyPr/>
+                    <a:lstStyle/>
+                    <a:p>
+                      <a:endParaRPr lang="en-US"/>
+                    </a:p>
+                  </a:txBody>
+                  <a:tcPr>
+                    <a:lnB w="57150" cap="flat" cmpd="sng" algn="ctr">
+                      <a:solidFill>
+                        <a:srgbClr val="002060"/>
+                      </a:solidFill>
+                      <a:prstDash val="solid"/>
+                      <a:round/>
+                      <a:headEnd type="none" w="med" len="med"/>
+                      <a:tailEnd type="none" w="med" len="med"/>
+                    </a:lnB>
+                    <a:solidFill>
+                      <a:schemeClr val="bg1">
+                        <a:lumMod val="85000"/>
+                      </a:schemeClr>
+                    </a:solidFill>
+                  </a:tcPr>
+                </a:tc>
+                <a:tc>
+                  <a:txBody>
+                    <a:bodyPr/>
+                    <a:lstStyle/>
+                    <a:p>
+                      <a:endParaRPr lang="en-US"/>
+                    </a:p>
+                  </a:txBody>
+                  <a:tcPr>
+                    <a:lnB w="57150" cap="flat" cmpd="sng" algn="ctr">
+                      <a:solidFill>
+                        <a:srgbClr val="002060"/>
+                      </a:solidFill>
+                      <a:prstDash val="solid"/>
+                      <a:round/>
+                      <a:headEnd type="none" w="med" len="med"/>
+                      <a:tailEnd type="none" w="med" len="med"/>
+                    </a:lnB>
+                    <a:solidFill>
+                      <a:schemeClr val="bg1">
+                        <a:lumMod val="85000"/>
+                      </a:schemeClr>
+                    </a:solidFill>
+                  </a:tcPr>
+                </a:tc>
+                <a:tc>
+                  <a:txBody>
+                    <a:bodyPr/>
+                    <a:lstStyle/>
+                    <a:p>
+                      <a:endParaRPr lang="en-US"/>
+                    </a:p>
+                  </a:txBody>
+                  <a:tcPr>
+                    <a:lnB w="57150" cap="flat" cmpd="sng" algn="ctr">
+                      <a:solidFill>
+                        <a:srgbClr val="002060"/>
+                      </a:solidFill>
+                      <a:prstDash val="solid"/>
+                      <a:round/>
+                      <a:headEnd type="none" w="med" len="med"/>
+                      <a:tailEnd type="none" w="med" len="med"/>
+                    </a:lnB>
+                    <a:solidFill>
+                      <a:schemeClr val="bg1">
+                        <a:lumMod val="85000"/>
+                      </a:schemeClr>
+                    </a:solidFill>
+                  </a:tcPr>
+                </a:tc>
+                <a:tc>
+                  <a:txBody>
+                    <a:bodyPr/>
+                    <a:lstStyle/>
+                    <a:p>
+                      <a:endParaRPr lang="en-US"/>
+                    </a:p>
+                  </a:txBody>
+                  <a:tcPr>
+                    <a:lnB w="57150" cap="flat" cmpd="sng" algn="ctr">
+                      <a:solidFill>
+                        <a:srgbClr val="002060"/>
+                      </a:solidFill>
+                      <a:prstDash val="solid"/>
+                      <a:round/>
+                      <a:headEnd type="none" w="med" len="med"/>
+                      <a:tailEnd type="none" w="med" len="med"/>
+                    </a:lnB>
+                    <a:solidFill>
+                      <a:schemeClr val="bg1">
+                        <a:lumMod val="85000"/>
+                      </a:schemeClr>
+                    </a:solidFill>
+                  </a:tcPr>
+                </a:tc>
+                <a:tc>
+                  <a:txBody>
+                    <a:bodyPr/>
+                    <a:lstStyle/>
+                    <a:p>
+                      <a:endParaRPr lang="en-US"/>
+                    </a:p>
+                  </a:txBody>
+                  <a:tcPr>
+                    <a:lnB w="57150" cap="flat" cmpd="sng" algn="ctr">
+                      <a:solidFill>
+                        <a:srgbClr val="002060"/>
+                      </a:solidFill>
+                      <a:prstDash val="solid"/>
+                      <a:round/>
+                      <a:headEnd type="none" w="med" len="med"/>
+                      <a:tailEnd type="none" w="med" len="med"/>
+                    </a:lnB>
+                    <a:solidFill>
+                      <a:schemeClr val="bg1">
+                        <a:lumMod val="85000"/>
+                      </a:schemeClr>
+                    </a:solidFill>
+                  </a:tcPr>
+                </a:tc>
+                <a:tc>
+                  <a:txBody>
+                    <a:bodyPr/>
+                    <a:lstStyle/>
+                    <a:p>
+                      <a:endParaRPr lang="en-US" dirty="0"/>
+                    </a:p>
+                  </a:txBody>
+                  <a:tcPr>
+                    <a:lnB w="57150" cap="flat" cmpd="sng" algn="ctr">
+                      <a:solidFill>
+                        <a:srgbClr val="002060"/>
+                      </a:solidFill>
+                      <a:prstDash val="solid"/>
+                      <a:round/>
+                      <a:headEnd type="none" w="med" len="med"/>
+                      <a:tailEnd type="none" w="med" len="med"/>
+                    </a:lnB>
+                    <a:solidFill>
+                      <a:schemeClr val="bg1">
+                        <a:lumMod val="85000"/>
+                      </a:schemeClr>
+                    </a:solidFill>
+                  </a:tcPr>
+                </a:tc>
+                <a:tc>
+                  <a:txBody>
+                    <a:bodyPr/>
+                    <a:lstStyle/>
+                    <a:p>
+                      <a:endParaRPr lang="en-US" dirty="0"/>
+                    </a:p>
+                  </a:txBody>
+                  <a:tcPr>
+                    <a:solidFill>
+                      <a:schemeClr val="bg1">
+                        <a:lumMod val="85000"/>
+                      </a:schemeClr>
+                    </a:solidFill>
+                  </a:tcPr>
+                </a:tc>
+                <a:tc>
+                  <a:txBody>
+                    <a:bodyPr/>
+                    <a:lstStyle/>
+                    <a:p>
+                      <a:endParaRPr lang="en-US" dirty="0"/>
+                    </a:p>
+                  </a:txBody>
+                  <a:tcPr>
+                    <a:solidFill>
+                      <a:schemeClr val="bg1">
+                        <a:lumMod val="85000"/>
+                      </a:schemeClr>
+                    </a:solidFill>
+                  </a:tcPr>
+                </a:tc>
+                <a:tc>
+                  <a:txBody>
+                    <a:bodyPr/>
+                    <a:lstStyle/>
+                    <a:p>
+                      <a:endParaRPr lang="en-US" dirty="0"/>
+                    </a:p>
+                  </a:txBody>
+                  <a:tcPr>
+                    <a:solidFill>
+                      <a:schemeClr val="bg1">
+                        <a:lumMod val="85000"/>
+                      </a:schemeClr>
+                    </a:solidFill>
+                  </a:tcPr>
+                </a:tc>
+                <a:tc>
+                  <a:txBody>
+                    <a:bodyPr/>
+                    <a:lstStyle/>
+                    <a:p>
+                      <a:endParaRPr lang="en-US" dirty="0"/>
+                    </a:p>
+                  </a:txBody>
+                  <a:tcPr>
+                    <a:solidFill>
+                      <a:schemeClr val="bg1">
+                        <a:lumMod val="85000"/>
+                      </a:schemeClr>
+                    </a:solidFill>
+                  </a:tcPr>
+                </a:tc>
+                <a:tc>
+                  <a:txBody>
+                    <a:bodyPr/>
+                    <a:lstStyle/>
+                    <a:p>
+                      <a:endParaRPr lang="en-US" dirty="0"/>
+                    </a:p>
+                  </a:txBody>
+                  <a:tcPr>
+                    <a:solidFill>
+                      <a:schemeClr val="bg1">
+                        <a:lumMod val="85000"/>
+                      </a:schemeClr>
+                    </a:solidFill>
+                  </a:tcPr>
+                </a:tc>
+                <a:tc>
+                  <a:txBody>
+                    <a:bodyPr/>
+                    <a:lstStyle/>
+                    <a:p>
+                      <a:endParaRPr lang="en-US" dirty="0"/>
+                    </a:p>
+                  </a:txBody>
+                  <a:tcPr>
+                    <a:lnR w="57150" cap="flat" cmpd="sng" algn="ctr">
+                      <a:solidFill>
+                        <a:srgbClr val="FF0000"/>
+                      </a:solidFill>
+                      <a:prstDash val="solid"/>
+                      <a:round/>
+                      <a:headEnd type="none" w="med" len="med"/>
+                      <a:tailEnd type="none" w="med" len="med"/>
+                    </a:lnR>
+                    <a:solidFill>
+                      <a:schemeClr val="bg1">
+                        <a:lumMod val="85000"/>
+                      </a:schemeClr>
+                    </a:solidFill>
+                  </a:tcPr>
+                </a:tc>
+                <a:extLst>
+                  <a:ext uri="{0D108BD9-81ED-4DB2-BD59-A6C34878D82A}">
+                    <a16:rowId xmlns:a16="http://schemas.microsoft.com/office/drawing/2014/main" val="1978613691"/>
+                  </a:ext>
+                </a:extLst>
+              </a:tr>
+              <a:tr h="365760">
+                <a:tc>
+                  <a:txBody>
+                    <a:bodyPr/>
+                    <a:lstStyle/>
+                    <a:p>
+                      <a:endParaRPr lang="en-US" dirty="0"/>
+                    </a:p>
+                  </a:txBody>
+                  <a:tcPr>
+                    <a:lnL w="57150" cap="flat" cmpd="sng" algn="ctr">
+                      <a:solidFill>
+                        <a:srgbClr val="002060"/>
+                      </a:solidFill>
+                      <a:prstDash val="solid"/>
+                      <a:round/>
+                      <a:headEnd type="none" w="med" len="med"/>
+                      <a:tailEnd type="none" w="med" len="med"/>
+                    </a:lnL>
+                    <a:lnT w="57150" cap="flat" cmpd="sng" algn="ctr">
+                      <a:solidFill>
+                        <a:srgbClr val="002060"/>
+                      </a:solidFill>
+                      <a:prstDash val="solid"/>
+                      <a:round/>
+                      <a:headEnd type="none" w="med" len="med"/>
+                      <a:tailEnd type="none" w="med" len="med"/>
+                    </a:lnT>
+                    <a:solidFill>
+                      <a:schemeClr val="bg1">
+                        <a:lumMod val="85000"/>
+                      </a:schemeClr>
+                    </a:solidFill>
+                  </a:tcPr>
+                </a:tc>
+                <a:tc>
+                  <a:txBody>
+                    <a:bodyPr/>
+                    <a:lstStyle/>
+                    <a:p>
+                      <a:endParaRPr lang="en-US" dirty="0"/>
+                    </a:p>
+                  </a:txBody>
+                  <a:tcPr>
+                    <a:lnT w="57150" cap="flat" cmpd="sng" algn="ctr">
+                      <a:solidFill>
+                        <a:srgbClr val="002060"/>
+                      </a:solidFill>
+                      <a:prstDash val="solid"/>
+                      <a:round/>
+                      <a:headEnd type="none" w="med" len="med"/>
+                      <a:tailEnd type="none" w="med" len="med"/>
+                    </a:lnT>
+                    <a:solidFill>
+                      <a:schemeClr val="bg1">
+                        <a:lumMod val="85000"/>
+                      </a:schemeClr>
+                    </a:solidFill>
+                  </a:tcPr>
+                </a:tc>
+                <a:tc>
+                  <a:txBody>
+                    <a:bodyPr/>
+                    <a:lstStyle/>
+                    <a:p>
+                      <a:endParaRPr lang="en-US"/>
+                    </a:p>
+                  </a:txBody>
+                  <a:tcPr>
+                    <a:lnT w="57150" cap="flat" cmpd="sng" algn="ctr">
+                      <a:solidFill>
+                        <a:srgbClr val="002060"/>
+                      </a:solidFill>
+                      <a:prstDash val="solid"/>
+                      <a:round/>
+                      <a:headEnd type="none" w="med" len="med"/>
+                      <a:tailEnd type="none" w="med" len="med"/>
+                    </a:lnT>
+                    <a:solidFill>
+                      <a:schemeClr val="bg1">
+                        <a:lumMod val="85000"/>
+                      </a:schemeClr>
+                    </a:solidFill>
+                  </a:tcPr>
+                </a:tc>
+                <a:tc>
+                  <a:txBody>
+                    <a:bodyPr/>
+                    <a:lstStyle/>
+                    <a:p>
+                      <a:endParaRPr lang="en-US"/>
+                    </a:p>
+                  </a:txBody>
+                  <a:tcPr>
+                    <a:lnT w="57150" cap="flat" cmpd="sng" algn="ctr">
+                      <a:solidFill>
+                        <a:srgbClr val="002060"/>
+                      </a:solidFill>
+                      <a:prstDash val="solid"/>
+                      <a:round/>
+                      <a:headEnd type="none" w="med" len="med"/>
+                      <a:tailEnd type="none" w="med" len="med"/>
+                    </a:lnT>
+                    <a:solidFill>
+                      <a:schemeClr val="bg1">
+                        <a:lumMod val="85000"/>
+                      </a:schemeClr>
+                    </a:solidFill>
+                  </a:tcPr>
+                </a:tc>
+                <a:tc>
+                  <a:txBody>
+                    <a:bodyPr/>
+                    <a:lstStyle/>
+                    <a:p>
+                      <a:endParaRPr lang="en-US"/>
+                    </a:p>
+                  </a:txBody>
+                  <a:tcPr>
+                    <a:lnT w="57150" cap="flat" cmpd="sng" algn="ctr">
+                      <a:solidFill>
+                        <a:srgbClr val="002060"/>
+                      </a:solidFill>
+                      <a:prstDash val="solid"/>
+                      <a:round/>
+                      <a:headEnd type="none" w="med" len="med"/>
+                      <a:tailEnd type="none" w="med" len="med"/>
+                    </a:lnT>
+                    <a:solidFill>
+                      <a:schemeClr val="bg1">
+                        <a:lumMod val="85000"/>
+                      </a:schemeClr>
+                    </a:solidFill>
+                  </a:tcPr>
+                </a:tc>
+                <a:tc>
+                  <a:txBody>
+                    <a:bodyPr/>
+                    <a:lstStyle/>
+                    <a:p>
+                      <a:endParaRPr lang="en-US"/>
+                    </a:p>
+                  </a:txBody>
+                  <a:tcPr>
+                    <a:lnT w="57150" cap="flat" cmpd="sng" algn="ctr">
+                      <a:solidFill>
+                        <a:srgbClr val="002060"/>
+                      </a:solidFill>
+                      <a:prstDash val="solid"/>
+                      <a:round/>
+                      <a:headEnd type="none" w="med" len="med"/>
+                      <a:tailEnd type="none" w="med" len="med"/>
+                    </a:lnT>
+                    <a:solidFill>
+                      <a:schemeClr val="bg1">
+                        <a:lumMod val="85000"/>
+                      </a:schemeClr>
+                    </a:solidFill>
+                  </a:tcPr>
+                </a:tc>
+                <a:tc>
+                  <a:txBody>
+                    <a:bodyPr/>
+                    <a:lstStyle/>
+                    <a:p>
+                      <a:endParaRPr lang="en-US"/>
+                    </a:p>
+                  </a:txBody>
+                  <a:tcPr>
+                    <a:lnT w="57150" cap="flat" cmpd="sng" algn="ctr">
+                      <a:solidFill>
+                        <a:srgbClr val="002060"/>
+                      </a:solidFill>
+                      <a:prstDash val="solid"/>
+                      <a:round/>
+                      <a:headEnd type="none" w="med" len="med"/>
+                      <a:tailEnd type="none" w="med" len="med"/>
+                    </a:lnT>
+                    <a:solidFill>
+                      <a:schemeClr val="bg1">
+                        <a:lumMod val="85000"/>
+                      </a:schemeClr>
+                    </a:solidFill>
+                  </a:tcPr>
+                </a:tc>
+                <a:tc>
+                  <a:txBody>
+                    <a:bodyPr/>
+                    <a:lstStyle/>
+                    <a:p>
+                      <a:endParaRPr lang="en-US"/>
+                    </a:p>
+                  </a:txBody>
+                  <a:tcPr>
+                    <a:lnT w="57150" cap="flat" cmpd="sng" algn="ctr">
+                      <a:solidFill>
+                        <a:srgbClr val="002060"/>
+                      </a:solidFill>
+                      <a:prstDash val="solid"/>
+                      <a:round/>
+                      <a:headEnd type="none" w="med" len="med"/>
+                      <a:tailEnd type="none" w="med" len="med"/>
+                    </a:lnT>
+                    <a:solidFill>
+                      <a:schemeClr val="bg1">
+                        <a:lumMod val="85000"/>
+                      </a:schemeClr>
+                    </a:solidFill>
+                  </a:tcPr>
+                </a:tc>
+                <a:tc>
+                  <a:txBody>
+                    <a:bodyPr/>
+                    <a:lstStyle/>
+                    <a:p>
+                      <a:endParaRPr lang="en-US" dirty="0"/>
+                    </a:p>
+                  </a:txBody>
+                  <a:tcPr>
+                    <a:lnR w="57150" cap="flat" cmpd="sng" algn="ctr">
+                      <a:solidFill>
+                        <a:srgbClr val="002060"/>
+                      </a:solidFill>
+                      <a:prstDash val="solid"/>
+                      <a:round/>
+                      <a:headEnd type="none" w="med" len="med"/>
+                      <a:tailEnd type="none" w="med" len="med"/>
+                    </a:lnR>
+                    <a:lnT w="57150" cap="flat" cmpd="sng" algn="ctr">
+                      <a:solidFill>
+                        <a:srgbClr val="002060"/>
+                      </a:solidFill>
+                      <a:prstDash val="solid"/>
+                      <a:round/>
+                      <a:headEnd type="none" w="med" len="med"/>
+                      <a:tailEnd type="none" w="med" len="med"/>
+                    </a:lnT>
+                    <a:solidFill>
+                      <a:schemeClr val="accent2"/>
+                    </a:solidFill>
+                  </a:tcPr>
+                </a:tc>
+                <a:tc>
+                  <a:txBody>
+                    <a:bodyPr/>
+                    <a:lstStyle/>
+                    <a:p>
+                      <a:endParaRPr lang="en-US" dirty="0"/>
+                    </a:p>
+                  </a:txBody>
+                  <a:tcPr>
+                    <a:lnL w="57150" cap="flat" cmpd="sng" algn="ctr">
+                      <a:solidFill>
+                        <a:srgbClr val="002060"/>
+                      </a:solidFill>
+                      <a:prstDash val="solid"/>
+                      <a:round/>
+                      <a:headEnd type="none" w="med" len="med"/>
+                      <a:tailEnd type="none" w="med" len="med"/>
+                    </a:lnL>
+                    <a:solidFill>
+                      <a:schemeClr val="bg1">
+                        <a:lumMod val="85000"/>
+                      </a:schemeClr>
+                    </a:solidFill>
+                  </a:tcPr>
+                </a:tc>
+                <a:tc>
+                  <a:txBody>
+                    <a:bodyPr/>
+                    <a:lstStyle/>
+                    <a:p>
+                      <a:endParaRPr lang="en-US" dirty="0"/>
+                    </a:p>
+                  </a:txBody>
+                  <a:tcPr>
+                    <a:solidFill>
+                      <a:schemeClr val="bg1">
+                        <a:lumMod val="85000"/>
+                      </a:schemeClr>
+                    </a:solidFill>
+                  </a:tcPr>
+                </a:tc>
+                <a:tc>
+                  <a:txBody>
+                    <a:bodyPr/>
+                    <a:lstStyle/>
+                    <a:p>
+                      <a:endParaRPr lang="en-US" dirty="0"/>
+                    </a:p>
+                  </a:txBody>
+                  <a:tcPr>
+                    <a:solidFill>
+                      <a:schemeClr val="bg1">
+                        <a:lumMod val="85000"/>
+                      </a:schemeClr>
+                    </a:solidFill>
+                  </a:tcPr>
+                </a:tc>
+                <a:tc>
+                  <a:txBody>
+                    <a:bodyPr/>
+                    <a:lstStyle/>
+                    <a:p>
+                      <a:endParaRPr lang="en-US" dirty="0"/>
+                    </a:p>
+                  </a:txBody>
+                  <a:tcPr>
+                    <a:solidFill>
+                      <a:schemeClr val="bg1">
+                        <a:lumMod val="85000"/>
+                      </a:schemeClr>
+                    </a:solidFill>
+                  </a:tcPr>
+                </a:tc>
+                <a:tc>
+                  <a:txBody>
+                    <a:bodyPr/>
+                    <a:lstStyle/>
+                    <a:p>
+                      <a:endParaRPr lang="en-US" dirty="0"/>
+                    </a:p>
+                  </a:txBody>
+                  <a:tcPr>
+                    <a:solidFill>
+                      <a:schemeClr val="bg1">
+                        <a:lumMod val="85000"/>
+                      </a:schemeClr>
+                    </a:solidFill>
+                  </a:tcPr>
+                </a:tc>
+                <a:tc>
+                  <a:txBody>
+                    <a:bodyPr/>
+                    <a:lstStyle/>
+                    <a:p>
+                      <a:endParaRPr lang="en-US" dirty="0"/>
+                    </a:p>
+                  </a:txBody>
+                  <a:tcPr>
+                    <a:lnR w="57150" cap="flat" cmpd="sng" algn="ctr">
+                      <a:solidFill>
+                        <a:srgbClr val="FF0000"/>
+                      </a:solidFill>
+                      <a:prstDash val="solid"/>
+                      <a:round/>
+                      <a:headEnd type="none" w="med" len="med"/>
+                      <a:tailEnd type="none" w="med" len="med"/>
+                    </a:lnR>
+                    <a:solidFill>
+                      <a:schemeClr val="bg1">
+                        <a:lumMod val="85000"/>
+                      </a:schemeClr>
+                    </a:solidFill>
+                  </a:tcPr>
+                </a:tc>
+                <a:extLst>
+                  <a:ext uri="{0D108BD9-81ED-4DB2-BD59-A6C34878D82A}">
+                    <a16:rowId xmlns:a16="http://schemas.microsoft.com/office/drawing/2014/main" val="3506167664"/>
+                  </a:ext>
+                </a:extLst>
+              </a:tr>
+              <a:tr h="365760">
+                <a:tc>
+                  <a:txBody>
+                    <a:bodyPr/>
+                    <a:lstStyle/>
+                    <a:p>
+                      <a:endParaRPr lang="en-US" dirty="0"/>
+                    </a:p>
+                  </a:txBody>
+                  <a:tcPr>
+                    <a:lnL w="57150" cap="flat" cmpd="sng" algn="ctr">
+                      <a:solidFill>
+                        <a:srgbClr val="002060"/>
+                      </a:solidFill>
+                      <a:prstDash val="solid"/>
+                      <a:round/>
+                      <a:headEnd type="none" w="med" len="med"/>
+                      <a:tailEnd type="none" w="med" len="med"/>
+                    </a:lnL>
+                    <a:solidFill>
+                      <a:schemeClr val="bg1">
+                        <a:lumMod val="85000"/>
+                      </a:schemeClr>
+                    </a:solidFill>
+                  </a:tcPr>
+                </a:tc>
+                <a:tc>
+                  <a:txBody>
+                    <a:bodyPr/>
+                    <a:lstStyle/>
+                    <a:p>
+                      <a:endParaRPr lang="en-US" dirty="0"/>
+                    </a:p>
+                  </a:txBody>
+                  <a:tcPr>
+                    <a:solidFill>
+                      <a:schemeClr val="bg1">
+                        <a:lumMod val="85000"/>
+                      </a:schemeClr>
+                    </a:solidFill>
+                  </a:tcPr>
+                </a:tc>
+                <a:tc>
+                  <a:txBody>
+                    <a:bodyPr/>
+                    <a:lstStyle/>
+                    <a:p>
+                      <a:endParaRPr lang="en-US" dirty="0"/>
+                    </a:p>
+                  </a:txBody>
+                  <a:tcPr>
+                    <a:solidFill>
+                      <a:schemeClr val="bg1">
+                        <a:lumMod val="85000"/>
+                      </a:schemeClr>
+                    </a:solidFill>
+                  </a:tcPr>
+                </a:tc>
+                <a:tc>
+                  <a:txBody>
+                    <a:bodyPr/>
+                    <a:lstStyle/>
+                    <a:p>
+                      <a:endParaRPr lang="en-US"/>
+                    </a:p>
+                  </a:txBody>
+                  <a:tcPr>
+                    <a:solidFill>
+                      <a:schemeClr val="bg1">
+                        <a:lumMod val="85000"/>
+                      </a:schemeClr>
+                    </a:solidFill>
+                  </a:tcPr>
+                </a:tc>
+                <a:tc>
+                  <a:txBody>
+                    <a:bodyPr/>
+                    <a:lstStyle/>
+                    <a:p>
+                      <a:endParaRPr lang="en-US"/>
+                    </a:p>
+                  </a:txBody>
+                  <a:tcPr>
+                    <a:solidFill>
+                      <a:schemeClr val="bg1">
+                        <a:lumMod val="85000"/>
+                      </a:schemeClr>
+                    </a:solidFill>
+                  </a:tcPr>
+                </a:tc>
+                <a:tc>
+                  <a:txBody>
+                    <a:bodyPr/>
+                    <a:lstStyle/>
+                    <a:p>
+                      <a:endParaRPr lang="en-US"/>
+                    </a:p>
+                  </a:txBody>
+                  <a:tcPr>
+                    <a:solidFill>
+                      <a:schemeClr val="bg1">
+                        <a:lumMod val="85000"/>
+                      </a:schemeClr>
+                    </a:solidFill>
+                  </a:tcPr>
+                </a:tc>
+                <a:tc>
+                  <a:txBody>
+                    <a:bodyPr/>
+                    <a:lstStyle/>
+                    <a:p>
+                      <a:endParaRPr lang="en-US"/>
+                    </a:p>
+                  </a:txBody>
+                  <a:tcPr>
+                    <a:solidFill>
+                      <a:schemeClr val="bg1">
+                        <a:lumMod val="85000"/>
+                      </a:schemeClr>
+                    </a:solidFill>
+                  </a:tcPr>
+                </a:tc>
+                <a:tc>
+                  <a:txBody>
+                    <a:bodyPr/>
+                    <a:lstStyle/>
+                    <a:p>
+                      <a:endParaRPr lang="en-US"/>
+                    </a:p>
+                  </a:txBody>
+                  <a:tcPr>
+                    <a:solidFill>
+                      <a:schemeClr val="accent6"/>
+                    </a:solidFill>
+                  </a:tcPr>
+                </a:tc>
+                <a:tc>
+                  <a:txBody>
+                    <a:bodyPr/>
+                    <a:lstStyle/>
+                    <a:p>
+                      <a:endParaRPr lang="en-US"/>
+                    </a:p>
+                  </a:txBody>
+                  <a:tcPr>
+                    <a:lnR w="57150" cap="flat" cmpd="sng" algn="ctr">
+                      <a:solidFill>
+                        <a:srgbClr val="002060"/>
+                      </a:solidFill>
+                      <a:prstDash val="solid"/>
+                      <a:round/>
+                      <a:headEnd type="none" w="med" len="med"/>
+                      <a:tailEnd type="none" w="med" len="med"/>
+                    </a:lnR>
+                    <a:solidFill>
+                      <a:schemeClr val="bg1">
+                        <a:lumMod val="85000"/>
+                      </a:schemeClr>
+                    </a:solidFill>
+                  </a:tcPr>
+                </a:tc>
+                <a:tc>
+                  <a:txBody>
+                    <a:bodyPr/>
+                    <a:lstStyle/>
+                    <a:p>
+                      <a:endParaRPr lang="en-US"/>
+                    </a:p>
+                  </a:txBody>
+                  <a:tcPr>
+                    <a:lnL w="57150" cap="flat" cmpd="sng" algn="ctr">
+                      <a:solidFill>
+                        <a:srgbClr val="002060"/>
+                      </a:solidFill>
+                      <a:prstDash val="solid"/>
+                      <a:round/>
+                      <a:headEnd type="none" w="med" len="med"/>
+                      <a:tailEnd type="none" w="med" len="med"/>
+                    </a:lnL>
+                    <a:solidFill>
+                      <a:schemeClr val="bg1">
+                        <a:lumMod val="85000"/>
+                      </a:schemeClr>
+                    </a:solidFill>
+                  </a:tcPr>
+                </a:tc>
+                <a:tc>
+                  <a:txBody>
+                    <a:bodyPr/>
+                    <a:lstStyle/>
+                    <a:p>
+                      <a:endParaRPr lang="en-US"/>
+                    </a:p>
+                  </a:txBody>
+                  <a:tcPr>
+                    <a:solidFill>
+                      <a:schemeClr val="bg1">
+                        <a:lumMod val="85000"/>
+                      </a:schemeClr>
+                    </a:solidFill>
+                  </a:tcPr>
+                </a:tc>
+                <a:tc>
+                  <a:txBody>
+                    <a:bodyPr/>
+                    <a:lstStyle/>
+                    <a:p>
+                      <a:endParaRPr lang="en-US"/>
+                    </a:p>
+                  </a:txBody>
+                  <a:tcPr>
+                    <a:solidFill>
+                      <a:schemeClr val="bg1">
+                        <a:lumMod val="85000"/>
+                      </a:schemeClr>
+                    </a:solidFill>
+                  </a:tcPr>
+                </a:tc>
+                <a:tc>
+                  <a:txBody>
+                    <a:bodyPr/>
+                    <a:lstStyle/>
+                    <a:p>
+                      <a:endParaRPr lang="en-US"/>
+                    </a:p>
+                  </a:txBody>
+                  <a:tcPr>
+                    <a:solidFill>
+                      <a:schemeClr val="bg1">
+                        <a:lumMod val="85000"/>
+                      </a:schemeClr>
+                    </a:solidFill>
+                  </a:tcPr>
+                </a:tc>
+                <a:tc>
+                  <a:txBody>
+                    <a:bodyPr/>
+                    <a:lstStyle/>
+                    <a:p>
+                      <a:endParaRPr lang="en-US"/>
+                    </a:p>
+                  </a:txBody>
+                  <a:tcPr>
+                    <a:solidFill>
+                      <a:schemeClr val="bg1">
+                        <a:lumMod val="85000"/>
+                      </a:schemeClr>
+                    </a:solidFill>
+                  </a:tcPr>
+                </a:tc>
+                <a:tc>
+                  <a:txBody>
+                    <a:bodyPr/>
+                    <a:lstStyle/>
+                    <a:p>
+                      <a:endParaRPr lang="en-US"/>
+                    </a:p>
+                  </a:txBody>
+                  <a:tcPr>
+                    <a:lnR w="57150" cap="flat" cmpd="sng" algn="ctr">
+                      <a:solidFill>
+                        <a:srgbClr val="FF0000"/>
+                      </a:solidFill>
+                      <a:prstDash val="solid"/>
+                      <a:round/>
+                      <a:headEnd type="none" w="med" len="med"/>
+                      <a:tailEnd type="none" w="med" len="med"/>
+                    </a:lnR>
+                    <a:solidFill>
+                      <a:schemeClr val="bg1">
+                        <a:lumMod val="85000"/>
+                      </a:schemeClr>
+                    </a:solidFill>
+                  </a:tcPr>
+                </a:tc>
+                <a:extLst>
+                  <a:ext uri="{0D108BD9-81ED-4DB2-BD59-A6C34878D82A}">
+                    <a16:rowId xmlns:a16="http://schemas.microsoft.com/office/drawing/2014/main" val="2881604842"/>
+                  </a:ext>
+                </a:extLst>
+              </a:tr>
+              <a:tr h="365760">
+                <a:tc>
+                  <a:txBody>
+                    <a:bodyPr/>
+                    <a:lstStyle/>
+                    <a:p>
+                      <a:endParaRPr lang="en-US" dirty="0"/>
+                    </a:p>
+                  </a:txBody>
+                  <a:tcPr>
+                    <a:lnL w="57150" cap="flat" cmpd="sng" algn="ctr">
+                      <a:solidFill>
+                        <a:srgbClr val="002060"/>
+                      </a:solidFill>
+                      <a:prstDash val="solid"/>
+                      <a:round/>
+                      <a:headEnd type="none" w="med" len="med"/>
+                      <a:tailEnd type="none" w="med" len="med"/>
+                    </a:lnL>
+                    <a:solidFill>
+                      <a:schemeClr val="bg1">
+                        <a:lumMod val="85000"/>
+                      </a:schemeClr>
+                    </a:solidFill>
+                  </a:tcPr>
+                </a:tc>
+                <a:tc>
+                  <a:txBody>
+                    <a:bodyPr/>
+                    <a:lstStyle/>
+                    <a:p>
+                      <a:endParaRPr lang="en-US"/>
+                    </a:p>
+                  </a:txBody>
+                  <a:tcPr>
+                    <a:solidFill>
+                      <a:schemeClr val="bg1">
+                        <a:lumMod val="85000"/>
+                      </a:schemeClr>
+                    </a:solidFill>
+                  </a:tcPr>
+                </a:tc>
+                <a:tc>
+                  <a:txBody>
+                    <a:bodyPr/>
+                    <a:lstStyle/>
+                    <a:p>
+                      <a:endParaRPr lang="en-US"/>
+                    </a:p>
+                  </a:txBody>
+                  <a:tcPr>
+                    <a:solidFill>
+                      <a:schemeClr val="bg1">
+                        <a:lumMod val="85000"/>
+                      </a:schemeClr>
+                    </a:solidFill>
+                  </a:tcPr>
+                </a:tc>
+                <a:tc>
+                  <a:txBody>
+                    <a:bodyPr/>
+                    <a:lstStyle/>
+                    <a:p>
+                      <a:endParaRPr lang="en-US" dirty="0"/>
+                    </a:p>
+                  </a:txBody>
+                  <a:tcPr>
+                    <a:solidFill>
+                      <a:schemeClr val="bg1">
+                        <a:lumMod val="85000"/>
+                      </a:schemeClr>
+                    </a:solidFill>
+                  </a:tcPr>
+                </a:tc>
+                <a:tc>
+                  <a:txBody>
+                    <a:bodyPr/>
+                    <a:lstStyle/>
+                    <a:p>
+                      <a:endParaRPr lang="en-US" dirty="0"/>
+                    </a:p>
+                  </a:txBody>
+                  <a:tcPr>
+                    <a:solidFill>
+                      <a:schemeClr val="bg1">
+                        <a:lumMod val="85000"/>
+                      </a:schemeClr>
+                    </a:solidFill>
+                  </a:tcPr>
+                </a:tc>
+                <a:tc>
+                  <a:txBody>
+                    <a:bodyPr/>
+                    <a:lstStyle/>
+                    <a:p>
+                      <a:endParaRPr lang="en-US"/>
+                    </a:p>
+                  </a:txBody>
+                  <a:tcPr>
+                    <a:solidFill>
+                      <a:schemeClr val="bg1">
+                        <a:lumMod val="85000"/>
+                      </a:schemeClr>
+                    </a:solidFill>
+                  </a:tcPr>
+                </a:tc>
+                <a:tc>
+                  <a:txBody>
+                    <a:bodyPr/>
+                    <a:lstStyle/>
+                    <a:p>
+                      <a:endParaRPr lang="en-US"/>
+                    </a:p>
+                  </a:txBody>
+                  <a:tcPr>
+                    <a:solidFill>
+                      <a:schemeClr val="bg1">
+                        <a:lumMod val="85000"/>
+                      </a:schemeClr>
+                    </a:solidFill>
+                  </a:tcPr>
+                </a:tc>
+                <a:tc>
+                  <a:txBody>
+                    <a:bodyPr/>
+                    <a:lstStyle/>
+                    <a:p>
+                      <a:endParaRPr lang="en-US"/>
+                    </a:p>
+                  </a:txBody>
+                  <a:tcPr>
+                    <a:solidFill>
+                      <a:schemeClr val="accent6"/>
+                    </a:solidFill>
+                  </a:tcPr>
+                </a:tc>
+                <a:tc>
+                  <a:txBody>
+                    <a:bodyPr/>
+                    <a:lstStyle/>
+                    <a:p>
+                      <a:endParaRPr lang="en-US"/>
+                    </a:p>
+                  </a:txBody>
+                  <a:tcPr>
+                    <a:lnR w="57150" cap="flat" cmpd="sng" algn="ctr">
+                      <a:solidFill>
+                        <a:srgbClr val="002060"/>
+                      </a:solidFill>
+                      <a:prstDash val="solid"/>
+                      <a:round/>
+                      <a:headEnd type="none" w="med" len="med"/>
+                      <a:tailEnd type="none" w="med" len="med"/>
+                    </a:lnR>
+                    <a:solidFill>
+                      <a:schemeClr val="bg1">
+                        <a:lumMod val="85000"/>
+                      </a:schemeClr>
+                    </a:solidFill>
+                  </a:tcPr>
+                </a:tc>
+                <a:tc>
+                  <a:txBody>
+                    <a:bodyPr/>
+                    <a:lstStyle/>
+                    <a:p>
+                      <a:endParaRPr lang="en-US"/>
+                    </a:p>
+                  </a:txBody>
+                  <a:tcPr>
+                    <a:lnL w="57150" cap="flat" cmpd="sng" algn="ctr">
+                      <a:solidFill>
+                        <a:srgbClr val="002060"/>
+                      </a:solidFill>
+                      <a:prstDash val="solid"/>
+                      <a:round/>
+                      <a:headEnd type="none" w="med" len="med"/>
+                      <a:tailEnd type="none" w="med" len="med"/>
+                    </a:lnL>
+                    <a:solidFill>
+                      <a:schemeClr val="bg1">
+                        <a:lumMod val="85000"/>
+                      </a:schemeClr>
+                    </a:solidFill>
+                  </a:tcPr>
+                </a:tc>
+                <a:tc>
+                  <a:txBody>
+                    <a:bodyPr/>
+                    <a:lstStyle/>
+                    <a:p>
+                      <a:endParaRPr lang="en-US"/>
+                    </a:p>
+                  </a:txBody>
+                  <a:tcPr>
+                    <a:solidFill>
+                      <a:schemeClr val="bg1">
+                        <a:lumMod val="85000"/>
+                      </a:schemeClr>
+                    </a:solidFill>
+                  </a:tcPr>
+                </a:tc>
+                <a:tc>
+                  <a:txBody>
+                    <a:bodyPr/>
+                    <a:lstStyle/>
+                    <a:p>
+                      <a:endParaRPr lang="en-US"/>
+                    </a:p>
+                  </a:txBody>
+                  <a:tcPr>
+                    <a:solidFill>
+                      <a:schemeClr val="bg1">
+                        <a:lumMod val="85000"/>
+                      </a:schemeClr>
+                    </a:solidFill>
+                  </a:tcPr>
+                </a:tc>
+                <a:tc>
+                  <a:txBody>
+                    <a:bodyPr/>
+                    <a:lstStyle/>
+                    <a:p>
+                      <a:endParaRPr lang="en-US"/>
+                    </a:p>
+                  </a:txBody>
+                  <a:tcPr>
+                    <a:solidFill>
+                      <a:schemeClr val="bg1">
+                        <a:lumMod val="85000"/>
+                      </a:schemeClr>
+                    </a:solidFill>
+                  </a:tcPr>
+                </a:tc>
+                <a:tc>
+                  <a:txBody>
+                    <a:bodyPr/>
+                    <a:lstStyle/>
+                    <a:p>
+                      <a:endParaRPr lang="en-US"/>
+                    </a:p>
+                  </a:txBody>
+                  <a:tcPr>
+                    <a:solidFill>
+                      <a:schemeClr val="bg1">
+                        <a:lumMod val="85000"/>
+                      </a:schemeClr>
+                    </a:solidFill>
+                  </a:tcPr>
+                </a:tc>
+                <a:tc>
+                  <a:txBody>
+                    <a:bodyPr/>
+                    <a:lstStyle/>
+                    <a:p>
+                      <a:endParaRPr lang="en-US"/>
+                    </a:p>
+                  </a:txBody>
+                  <a:tcPr>
+                    <a:lnR w="57150" cap="flat" cmpd="sng" algn="ctr">
+                      <a:solidFill>
+                        <a:srgbClr val="FF0000"/>
+                      </a:solidFill>
+                      <a:prstDash val="solid"/>
+                      <a:round/>
+                      <a:headEnd type="none" w="med" len="med"/>
+                      <a:tailEnd type="none" w="med" len="med"/>
+                    </a:lnR>
+                    <a:solidFill>
+                      <a:schemeClr val="bg1">
+                        <a:lumMod val="85000"/>
+                      </a:schemeClr>
+                    </a:solidFill>
+                  </a:tcPr>
+                </a:tc>
+                <a:extLst>
+                  <a:ext uri="{0D108BD9-81ED-4DB2-BD59-A6C34878D82A}">
+                    <a16:rowId xmlns:a16="http://schemas.microsoft.com/office/drawing/2014/main" val="1485029189"/>
+                  </a:ext>
+                </a:extLst>
+              </a:tr>
+              <a:tr h="365760">
+                <a:tc>
+                  <a:txBody>
+                    <a:bodyPr/>
+                    <a:lstStyle/>
+                    <a:p>
+                      <a:endParaRPr lang="en-US"/>
+                    </a:p>
+                  </a:txBody>
+                  <a:tcPr>
+                    <a:lnL w="57150" cap="flat" cmpd="sng" algn="ctr">
+                      <a:solidFill>
+                        <a:srgbClr val="002060"/>
+                      </a:solidFill>
+                      <a:prstDash val="solid"/>
+                      <a:round/>
+                      <a:headEnd type="none" w="med" len="med"/>
+                      <a:tailEnd type="none" w="med" len="med"/>
+                    </a:lnL>
+                    <a:solidFill>
+                      <a:schemeClr val="bg1">
+                        <a:lumMod val="85000"/>
+                      </a:schemeClr>
+                    </a:solidFill>
+                  </a:tcPr>
+                </a:tc>
+                <a:tc>
+                  <a:txBody>
+                    <a:bodyPr/>
+                    <a:lstStyle/>
+                    <a:p>
+                      <a:endParaRPr lang="en-US"/>
+                    </a:p>
+                  </a:txBody>
+                  <a:tcPr>
+                    <a:solidFill>
+                      <a:schemeClr val="bg1">
+                        <a:lumMod val="85000"/>
+                      </a:schemeClr>
+                    </a:solidFill>
+                  </a:tcPr>
+                </a:tc>
+                <a:tc>
+                  <a:txBody>
+                    <a:bodyPr/>
+                    <a:lstStyle/>
+                    <a:p>
+                      <a:endParaRPr lang="en-US"/>
+                    </a:p>
+                  </a:txBody>
+                  <a:tcPr>
+                    <a:solidFill>
+                      <a:schemeClr val="bg1">
+                        <a:lumMod val="85000"/>
+                      </a:schemeClr>
+                    </a:solidFill>
+                  </a:tcPr>
+                </a:tc>
+                <a:tc>
+                  <a:txBody>
+                    <a:bodyPr/>
+                    <a:lstStyle/>
+                    <a:p>
+                      <a:endParaRPr lang="en-US" dirty="0"/>
+                    </a:p>
+                  </a:txBody>
+                  <a:tcPr>
+                    <a:solidFill>
+                      <a:schemeClr val="bg1">
+                        <a:lumMod val="85000"/>
+                      </a:schemeClr>
+                    </a:solidFill>
+                  </a:tcPr>
+                </a:tc>
+                <a:tc>
+                  <a:txBody>
+                    <a:bodyPr/>
+                    <a:lstStyle/>
+                    <a:p>
+                      <a:endParaRPr lang="en-US"/>
+                    </a:p>
+                  </a:txBody>
+                  <a:tcPr>
+                    <a:solidFill>
+                      <a:schemeClr val="bg1">
+                        <a:lumMod val="85000"/>
+                      </a:schemeClr>
+                    </a:solidFill>
+                  </a:tcPr>
+                </a:tc>
+                <a:tc>
+                  <a:txBody>
+                    <a:bodyPr/>
+                    <a:lstStyle/>
+                    <a:p>
+                      <a:endParaRPr lang="en-US" dirty="0"/>
+                    </a:p>
+                  </a:txBody>
+                  <a:tcPr>
+                    <a:solidFill>
+                      <a:schemeClr val="bg1">
+                        <a:lumMod val="85000"/>
+                      </a:schemeClr>
+                    </a:solidFill>
+                  </a:tcPr>
+                </a:tc>
+                <a:tc>
+                  <a:txBody>
+                    <a:bodyPr/>
+                    <a:lstStyle/>
+                    <a:p>
+                      <a:endParaRPr lang="en-US" dirty="0"/>
+                    </a:p>
+                  </a:txBody>
+                  <a:tcPr>
+                    <a:solidFill>
+                      <a:schemeClr val="bg1">
+                        <a:lumMod val="85000"/>
+                      </a:schemeClr>
+                    </a:solidFill>
+                  </a:tcPr>
+                </a:tc>
+                <a:tc>
+                  <a:txBody>
+                    <a:bodyPr/>
+                    <a:lstStyle/>
+                    <a:p>
+                      <a:endParaRPr lang="en-US" dirty="0"/>
+                    </a:p>
+                  </a:txBody>
+                  <a:tcPr>
+                    <a:solidFill>
+                      <a:schemeClr val="accent6"/>
+                    </a:solidFill>
+                  </a:tcPr>
+                </a:tc>
+                <a:tc>
+                  <a:txBody>
+                    <a:bodyPr/>
+                    <a:lstStyle/>
+                    <a:p>
+                      <a:endParaRPr lang="en-US" dirty="0"/>
+                    </a:p>
+                  </a:txBody>
+                  <a:tcPr>
+                    <a:lnR w="57150" cap="flat" cmpd="sng" algn="ctr">
+                      <a:solidFill>
+                        <a:srgbClr val="002060"/>
+                      </a:solidFill>
+                      <a:prstDash val="solid"/>
+                      <a:round/>
+                      <a:headEnd type="none" w="med" len="med"/>
+                      <a:tailEnd type="none" w="med" len="med"/>
+                    </a:lnR>
+                    <a:solidFill>
+                      <a:schemeClr val="bg1">
+                        <a:lumMod val="85000"/>
+                      </a:schemeClr>
+                    </a:solidFill>
+                  </a:tcPr>
+                </a:tc>
+                <a:tc>
+                  <a:txBody>
+                    <a:bodyPr/>
+                    <a:lstStyle/>
+                    <a:p>
+                      <a:endParaRPr lang="en-US" dirty="0"/>
+                    </a:p>
+                  </a:txBody>
+                  <a:tcPr>
+                    <a:lnL w="57150" cap="flat" cmpd="sng" algn="ctr">
+                      <a:solidFill>
+                        <a:srgbClr val="002060"/>
+                      </a:solidFill>
+                      <a:prstDash val="solid"/>
+                      <a:round/>
+                      <a:headEnd type="none" w="med" len="med"/>
+                      <a:tailEnd type="none" w="med" len="med"/>
+                    </a:lnL>
+                    <a:solidFill>
+                      <a:schemeClr val="bg1">
+                        <a:lumMod val="85000"/>
+                      </a:schemeClr>
+                    </a:solidFill>
+                  </a:tcPr>
+                </a:tc>
+                <a:tc>
+                  <a:txBody>
+                    <a:bodyPr/>
+                    <a:lstStyle/>
+                    <a:p>
+                      <a:endParaRPr lang="en-US" dirty="0"/>
+                    </a:p>
+                  </a:txBody>
+                  <a:tcPr>
+                    <a:solidFill>
+                      <a:schemeClr val="bg1">
+                        <a:lumMod val="85000"/>
+                      </a:schemeClr>
+                    </a:solidFill>
+                  </a:tcPr>
+                </a:tc>
+                <a:tc>
+                  <a:txBody>
+                    <a:bodyPr/>
+                    <a:lstStyle/>
+                    <a:p>
+                      <a:endParaRPr lang="en-US" dirty="0"/>
+                    </a:p>
+                  </a:txBody>
+                  <a:tcPr>
+                    <a:solidFill>
+                      <a:schemeClr val="bg1">
+                        <a:lumMod val="85000"/>
+                      </a:schemeClr>
+                    </a:solidFill>
+                  </a:tcPr>
+                </a:tc>
+                <a:tc>
+                  <a:txBody>
+                    <a:bodyPr/>
+                    <a:lstStyle/>
+                    <a:p>
+                      <a:endParaRPr lang="en-US" dirty="0"/>
+                    </a:p>
+                  </a:txBody>
+                  <a:tcPr>
+                    <a:solidFill>
+                      <a:schemeClr val="bg1">
+                        <a:lumMod val="85000"/>
+                      </a:schemeClr>
+                    </a:solidFill>
+                  </a:tcPr>
+                </a:tc>
+                <a:tc>
+                  <a:txBody>
+                    <a:bodyPr/>
+                    <a:lstStyle/>
+                    <a:p>
+                      <a:endParaRPr lang="en-US" dirty="0"/>
+                    </a:p>
+                  </a:txBody>
+                  <a:tcPr>
+                    <a:solidFill>
+                      <a:schemeClr val="bg1">
+                        <a:lumMod val="85000"/>
+                      </a:schemeClr>
+                    </a:solidFill>
+                  </a:tcPr>
+                </a:tc>
+                <a:tc>
+                  <a:txBody>
+                    <a:bodyPr/>
+                    <a:lstStyle/>
+                    <a:p>
+                      <a:endParaRPr lang="en-US" dirty="0"/>
+                    </a:p>
+                  </a:txBody>
+                  <a:tcPr>
+                    <a:lnR w="57150" cap="flat" cmpd="sng" algn="ctr">
+                      <a:solidFill>
+                        <a:srgbClr val="FF0000"/>
+                      </a:solidFill>
+                      <a:prstDash val="solid"/>
+                      <a:round/>
+                      <a:headEnd type="none" w="med" len="med"/>
+                      <a:tailEnd type="none" w="med" len="med"/>
+                    </a:lnR>
+                    <a:solidFill>
+                      <a:schemeClr val="bg1">
+                        <a:lumMod val="85000"/>
+                      </a:schemeClr>
+                    </a:solidFill>
+                  </a:tcPr>
+                </a:tc>
+                <a:extLst>
+                  <a:ext uri="{0D108BD9-81ED-4DB2-BD59-A6C34878D82A}">
+                    <a16:rowId xmlns:a16="http://schemas.microsoft.com/office/drawing/2014/main" val="147539072"/>
+                  </a:ext>
+                </a:extLst>
+              </a:tr>
+              <a:tr h="365760">
+                <a:tc>
+                  <a:txBody>
+                    <a:bodyPr/>
+                    <a:lstStyle/>
+                    <a:p>
+                      <a:endParaRPr lang="en-US" dirty="0"/>
+                    </a:p>
+                  </a:txBody>
+                  <a:tcPr>
+                    <a:lnL w="57150" cap="flat" cmpd="sng" algn="ctr">
+                      <a:solidFill>
+                        <a:srgbClr val="002060"/>
+                      </a:solidFill>
+                      <a:prstDash val="solid"/>
+                      <a:round/>
+                      <a:headEnd type="none" w="med" len="med"/>
+                      <a:tailEnd type="none" w="med" len="med"/>
+                    </a:lnL>
+                    <a:solidFill>
+                      <a:schemeClr val="bg1">
+                        <a:lumMod val="85000"/>
+                      </a:schemeClr>
+                    </a:solidFill>
+                  </a:tcPr>
+                </a:tc>
+                <a:tc>
+                  <a:txBody>
+                    <a:bodyPr/>
+                    <a:lstStyle/>
+                    <a:p>
+                      <a:endParaRPr lang="en-US" dirty="0"/>
+                    </a:p>
+                  </a:txBody>
+                  <a:tcPr>
+                    <a:solidFill>
+                      <a:schemeClr val="bg1">
+                        <a:lumMod val="85000"/>
+                      </a:schemeClr>
+                    </a:solidFill>
+                  </a:tcPr>
+                </a:tc>
+                <a:tc>
+                  <a:txBody>
+                    <a:bodyPr/>
+                    <a:lstStyle/>
+                    <a:p>
+                      <a:endParaRPr lang="en-US" dirty="0"/>
+                    </a:p>
+                  </a:txBody>
+                  <a:tcPr>
+                    <a:solidFill>
+                      <a:schemeClr val="bg1">
+                        <a:lumMod val="85000"/>
+                      </a:schemeClr>
+                    </a:solidFill>
+                  </a:tcPr>
+                </a:tc>
+                <a:tc>
+                  <a:txBody>
+                    <a:bodyPr/>
+                    <a:lstStyle/>
+                    <a:p>
+                      <a:endParaRPr lang="en-US" dirty="0"/>
+                    </a:p>
+                  </a:txBody>
+                  <a:tcPr>
+                    <a:solidFill>
+                      <a:schemeClr val="accent2"/>
+                    </a:solidFill>
+                  </a:tcPr>
+                </a:tc>
+                <a:tc>
+                  <a:txBody>
+                    <a:bodyPr/>
+                    <a:lstStyle/>
+                    <a:p>
+                      <a:endParaRPr lang="en-US" dirty="0"/>
+                    </a:p>
+                  </a:txBody>
+                  <a:tcPr>
+                    <a:solidFill>
+                      <a:schemeClr val="accent2"/>
+                    </a:solidFill>
+                  </a:tcPr>
+                </a:tc>
+                <a:tc>
+                  <a:txBody>
+                    <a:bodyPr/>
+                    <a:lstStyle/>
+                    <a:p>
+                      <a:endParaRPr lang="en-US" dirty="0"/>
+                    </a:p>
+                  </a:txBody>
+                  <a:tcPr>
+                    <a:solidFill>
+                      <a:schemeClr val="accent2"/>
+                    </a:solidFill>
+                  </a:tcPr>
+                </a:tc>
+                <a:tc>
+                  <a:txBody>
+                    <a:bodyPr/>
+                    <a:lstStyle/>
+                    <a:p>
+                      <a:endParaRPr lang="en-US" dirty="0"/>
+                    </a:p>
+                  </a:txBody>
+                  <a:tcPr>
+                    <a:solidFill>
+                      <a:schemeClr val="accent2"/>
+                    </a:solidFill>
+                  </a:tcPr>
+                </a:tc>
+                <a:tc>
+                  <a:txBody>
+                    <a:bodyPr/>
+                    <a:lstStyle/>
+                    <a:p>
+                      <a:endParaRPr lang="en-US" dirty="0"/>
+                    </a:p>
+                  </a:txBody>
+                  <a:tcPr>
+                    <a:solidFill>
+                      <a:schemeClr val="bg1">
+                        <a:lumMod val="85000"/>
+                      </a:schemeClr>
+                    </a:solidFill>
+                  </a:tcPr>
+                </a:tc>
+                <a:tc>
+                  <a:txBody>
+                    <a:bodyPr/>
+                    <a:lstStyle/>
+                    <a:p>
+                      <a:endParaRPr lang="en-US"/>
+                    </a:p>
+                  </a:txBody>
+                  <a:tcPr>
+                    <a:lnR w="57150" cap="flat" cmpd="sng" algn="ctr">
+                      <a:solidFill>
+                        <a:srgbClr val="002060"/>
+                      </a:solidFill>
+                      <a:prstDash val="solid"/>
+                      <a:round/>
+                      <a:headEnd type="none" w="med" len="med"/>
+                      <a:tailEnd type="none" w="med" len="med"/>
+                    </a:lnR>
+                    <a:solidFill>
+                      <a:schemeClr val="bg1">
+                        <a:lumMod val="85000"/>
+                      </a:schemeClr>
+                    </a:solidFill>
+                  </a:tcPr>
+                </a:tc>
+                <a:tc>
+                  <a:txBody>
+                    <a:bodyPr/>
+                    <a:lstStyle/>
+                    <a:p>
+                      <a:endParaRPr lang="en-US"/>
+                    </a:p>
+                  </a:txBody>
+                  <a:tcPr>
+                    <a:lnL w="57150" cap="flat" cmpd="sng" algn="ctr">
+                      <a:solidFill>
+                        <a:srgbClr val="002060"/>
+                      </a:solidFill>
+                      <a:prstDash val="solid"/>
+                      <a:round/>
+                      <a:headEnd type="none" w="med" len="med"/>
+                      <a:tailEnd type="none" w="med" len="med"/>
+                    </a:lnL>
+                    <a:solidFill>
+                      <a:schemeClr val="bg1">
+                        <a:lumMod val="85000"/>
+                      </a:schemeClr>
+                    </a:solidFill>
+                  </a:tcPr>
+                </a:tc>
+                <a:tc>
+                  <a:txBody>
+                    <a:bodyPr/>
+                    <a:lstStyle/>
+                    <a:p>
+                      <a:endParaRPr lang="en-US"/>
+                    </a:p>
+                  </a:txBody>
+                  <a:tcPr>
+                    <a:solidFill>
+                      <a:schemeClr val="bg1">
+                        <a:lumMod val="85000"/>
+                      </a:schemeClr>
+                    </a:solidFill>
+                  </a:tcPr>
+                </a:tc>
+                <a:tc>
+                  <a:txBody>
+                    <a:bodyPr/>
+                    <a:lstStyle/>
+                    <a:p>
+                      <a:endParaRPr lang="en-US"/>
+                    </a:p>
+                  </a:txBody>
+                  <a:tcPr>
+                    <a:solidFill>
+                      <a:schemeClr val="bg1">
+                        <a:lumMod val="85000"/>
+                      </a:schemeClr>
+                    </a:solidFill>
+                  </a:tcPr>
+                </a:tc>
+                <a:tc>
+                  <a:txBody>
+                    <a:bodyPr/>
+                    <a:lstStyle/>
+                    <a:p>
+                      <a:endParaRPr lang="en-US"/>
+                    </a:p>
+                  </a:txBody>
+                  <a:tcPr>
+                    <a:solidFill>
+                      <a:schemeClr val="bg1">
+                        <a:lumMod val="85000"/>
+                      </a:schemeClr>
+                    </a:solidFill>
+                  </a:tcPr>
+                </a:tc>
+                <a:tc>
+                  <a:txBody>
+                    <a:bodyPr/>
+                    <a:lstStyle/>
+                    <a:p>
+                      <a:endParaRPr lang="en-US"/>
+                    </a:p>
+                  </a:txBody>
+                  <a:tcPr>
+                    <a:solidFill>
+                      <a:schemeClr val="bg1">
+                        <a:lumMod val="85000"/>
+                      </a:schemeClr>
+                    </a:solidFill>
+                  </a:tcPr>
+                </a:tc>
+                <a:tc>
+                  <a:txBody>
+                    <a:bodyPr/>
+                    <a:lstStyle/>
+                    <a:p>
+                      <a:endParaRPr lang="en-US"/>
+                    </a:p>
+                  </a:txBody>
+                  <a:tcPr>
+                    <a:lnR w="57150" cap="flat" cmpd="sng" algn="ctr">
+                      <a:solidFill>
+                        <a:srgbClr val="FF0000"/>
+                      </a:solidFill>
+                      <a:prstDash val="solid"/>
+                      <a:round/>
+                      <a:headEnd type="none" w="med" len="med"/>
+                      <a:tailEnd type="none" w="med" len="med"/>
+                    </a:lnR>
+                    <a:solidFill>
+                      <a:schemeClr val="bg1">
+                        <a:lumMod val="85000"/>
+                      </a:schemeClr>
+                    </a:solidFill>
+                  </a:tcPr>
+                </a:tc>
+                <a:extLst>
+                  <a:ext uri="{0D108BD9-81ED-4DB2-BD59-A6C34878D82A}">
+                    <a16:rowId xmlns:a16="http://schemas.microsoft.com/office/drawing/2014/main" val="2375644898"/>
+                  </a:ext>
+                </a:extLst>
+              </a:tr>
+              <a:tr h="365760">
+                <a:tc>
+                  <a:txBody>
+                    <a:bodyPr/>
+                    <a:lstStyle/>
+                    <a:p>
+                      <a:endParaRPr lang="en-US" dirty="0"/>
+                    </a:p>
+                  </a:txBody>
+                  <a:tcPr>
+                    <a:lnL w="57150" cap="flat" cmpd="sng" algn="ctr">
+                      <a:solidFill>
+                        <a:srgbClr val="002060"/>
+                      </a:solidFill>
+                      <a:prstDash val="solid"/>
+                      <a:round/>
+                      <a:headEnd type="none" w="med" len="med"/>
+                      <a:tailEnd type="none" w="med" len="med"/>
+                    </a:lnL>
+                    <a:solidFill>
+                      <a:schemeClr val="tx1"/>
+                    </a:solidFill>
+                  </a:tcPr>
+                </a:tc>
+                <a:tc>
+                  <a:txBody>
+                    <a:bodyPr/>
+                    <a:lstStyle/>
+                    <a:p>
+                      <a:endParaRPr lang="en-US" dirty="0"/>
+                    </a:p>
+                  </a:txBody>
+                  <a:tcPr>
+                    <a:solidFill>
+                      <a:schemeClr val="tx1"/>
+                    </a:solidFill>
+                  </a:tcPr>
+                </a:tc>
+                <a:tc>
+                  <a:txBody>
+                    <a:bodyPr/>
+                    <a:lstStyle/>
+                    <a:p>
+                      <a:endParaRPr lang="en-US" dirty="0"/>
+                    </a:p>
+                  </a:txBody>
+                  <a:tcPr>
+                    <a:solidFill>
+                      <a:schemeClr val="tx1"/>
+                    </a:solidFill>
+                  </a:tcPr>
+                </a:tc>
+                <a:tc>
+                  <a:txBody>
+                    <a:bodyPr/>
+                    <a:lstStyle/>
+                    <a:p>
+                      <a:endParaRPr lang="en-US"/>
+                    </a:p>
+                  </a:txBody>
+                  <a:tcPr>
+                    <a:solidFill>
+                      <a:schemeClr val="bg1">
+                        <a:lumMod val="85000"/>
+                      </a:schemeClr>
+                    </a:solidFill>
+                  </a:tcPr>
+                </a:tc>
+                <a:tc>
+                  <a:txBody>
+                    <a:bodyPr/>
+                    <a:lstStyle/>
+                    <a:p>
+                      <a:endParaRPr lang="en-US" dirty="0"/>
+                    </a:p>
+                  </a:txBody>
+                  <a:tcPr>
+                    <a:solidFill>
+                      <a:schemeClr val="bg1">
+                        <a:lumMod val="85000"/>
+                      </a:schemeClr>
+                    </a:solidFill>
+                  </a:tcPr>
+                </a:tc>
+                <a:tc>
+                  <a:txBody>
+                    <a:bodyPr/>
+                    <a:lstStyle/>
+                    <a:p>
+                      <a:endParaRPr lang="en-US"/>
+                    </a:p>
+                  </a:txBody>
+                  <a:tcPr>
+                    <a:solidFill>
+                      <a:schemeClr val="bg1">
+                        <a:lumMod val="85000"/>
+                      </a:schemeClr>
+                    </a:solidFill>
+                  </a:tcPr>
+                </a:tc>
+                <a:tc>
+                  <a:txBody>
+                    <a:bodyPr/>
+                    <a:lstStyle/>
+                    <a:p>
+                      <a:endParaRPr lang="en-US"/>
+                    </a:p>
+                  </a:txBody>
+                  <a:tcPr>
+                    <a:solidFill>
+                      <a:schemeClr val="bg1">
+                        <a:lumMod val="85000"/>
+                      </a:schemeClr>
+                    </a:solidFill>
+                  </a:tcPr>
+                </a:tc>
+                <a:tc>
+                  <a:txBody>
+                    <a:bodyPr/>
+                    <a:lstStyle/>
+                    <a:p>
+                      <a:endParaRPr lang="en-US" dirty="0"/>
+                    </a:p>
+                  </a:txBody>
+                  <a:tcPr>
+                    <a:solidFill>
+                      <a:schemeClr val="bg1">
+                        <a:lumMod val="85000"/>
+                      </a:schemeClr>
+                    </a:solidFill>
+                  </a:tcPr>
+                </a:tc>
+                <a:tc>
+                  <a:txBody>
+                    <a:bodyPr/>
+                    <a:lstStyle/>
+                    <a:p>
+                      <a:endParaRPr lang="en-US" dirty="0"/>
+                    </a:p>
+                  </a:txBody>
+                  <a:tcPr>
+                    <a:lnR w="57150" cap="flat" cmpd="sng" algn="ctr">
+                      <a:solidFill>
+                        <a:srgbClr val="002060"/>
+                      </a:solidFill>
+                      <a:prstDash val="solid"/>
+                      <a:round/>
+                      <a:headEnd type="none" w="med" len="med"/>
+                      <a:tailEnd type="none" w="med" len="med"/>
+                    </a:lnR>
+                    <a:solidFill>
+                      <a:schemeClr val="bg1">
+                        <a:lumMod val="85000"/>
+                      </a:schemeClr>
+                    </a:solidFill>
+                  </a:tcPr>
+                </a:tc>
+                <a:tc>
+                  <a:txBody>
+                    <a:bodyPr/>
+                    <a:lstStyle/>
+                    <a:p>
+                      <a:endParaRPr lang="en-US"/>
+                    </a:p>
+                  </a:txBody>
+                  <a:tcPr>
+                    <a:lnL w="57150" cap="flat" cmpd="sng" algn="ctr">
+                      <a:solidFill>
+                        <a:srgbClr val="002060"/>
+                      </a:solidFill>
+                      <a:prstDash val="solid"/>
+                      <a:round/>
+                      <a:headEnd type="none" w="med" len="med"/>
+                      <a:tailEnd type="none" w="med" len="med"/>
+                    </a:lnL>
+                    <a:solidFill>
+                      <a:schemeClr val="bg1">
+                        <a:lumMod val="85000"/>
+                      </a:schemeClr>
+                    </a:solidFill>
+                  </a:tcPr>
+                </a:tc>
+                <a:tc>
+                  <a:txBody>
+                    <a:bodyPr/>
+                    <a:lstStyle/>
+                    <a:p>
+                      <a:endParaRPr lang="en-US"/>
+                    </a:p>
+                  </a:txBody>
+                  <a:tcPr>
+                    <a:solidFill>
+                      <a:schemeClr val="bg1">
+                        <a:lumMod val="85000"/>
+                      </a:schemeClr>
+                    </a:solidFill>
+                  </a:tcPr>
+                </a:tc>
+                <a:tc>
+                  <a:txBody>
+                    <a:bodyPr/>
+                    <a:lstStyle/>
+                    <a:p>
+                      <a:endParaRPr lang="en-US"/>
+                    </a:p>
+                  </a:txBody>
+                  <a:tcPr>
+                    <a:solidFill>
+                      <a:schemeClr val="bg1">
+                        <a:lumMod val="85000"/>
+                      </a:schemeClr>
+                    </a:solidFill>
+                  </a:tcPr>
+                </a:tc>
+                <a:tc>
+                  <a:txBody>
+                    <a:bodyPr/>
+                    <a:lstStyle/>
+                    <a:p>
+                      <a:endParaRPr lang="en-US"/>
+                    </a:p>
+                  </a:txBody>
+                  <a:tcPr>
+                    <a:solidFill>
+                      <a:schemeClr val="bg1">
+                        <a:lumMod val="85000"/>
+                      </a:schemeClr>
+                    </a:solidFill>
+                  </a:tcPr>
+                </a:tc>
+                <a:tc>
+                  <a:txBody>
+                    <a:bodyPr/>
+                    <a:lstStyle/>
+                    <a:p>
+                      <a:endParaRPr lang="en-US"/>
+                    </a:p>
+                  </a:txBody>
+                  <a:tcPr>
+                    <a:solidFill>
+                      <a:schemeClr val="bg1">
+                        <a:lumMod val="85000"/>
+                      </a:schemeClr>
+                    </a:solidFill>
+                  </a:tcPr>
+                </a:tc>
+                <a:tc>
+                  <a:txBody>
+                    <a:bodyPr/>
+                    <a:lstStyle/>
+                    <a:p>
+                      <a:endParaRPr lang="en-US"/>
+                    </a:p>
+                  </a:txBody>
+                  <a:tcPr>
+                    <a:lnR w="57150" cap="flat" cmpd="sng" algn="ctr">
+                      <a:solidFill>
+                        <a:srgbClr val="FF0000"/>
+                      </a:solidFill>
+                      <a:prstDash val="solid"/>
+                      <a:round/>
+                      <a:headEnd type="none" w="med" len="med"/>
+                      <a:tailEnd type="none" w="med" len="med"/>
+                    </a:lnR>
+                    <a:solidFill>
+                      <a:schemeClr val="bg1">
+                        <a:lumMod val="85000"/>
+                      </a:schemeClr>
+                    </a:solidFill>
+                  </a:tcPr>
+                </a:tc>
+                <a:extLst>
+                  <a:ext uri="{0D108BD9-81ED-4DB2-BD59-A6C34878D82A}">
+                    <a16:rowId xmlns:a16="http://schemas.microsoft.com/office/drawing/2014/main" val="4088036196"/>
+                  </a:ext>
+                </a:extLst>
+              </a:tr>
+              <a:tr h="365760">
+                <a:tc>
+                  <a:txBody>
+                    <a:bodyPr/>
+                    <a:lstStyle/>
+                    <a:p>
+                      <a:endParaRPr lang="en-US"/>
+                    </a:p>
+                  </a:txBody>
+                  <a:tcPr>
+                    <a:lnL w="57150" cap="flat" cmpd="sng" algn="ctr">
+                      <a:solidFill>
+                        <a:srgbClr val="002060"/>
+                      </a:solidFill>
+                      <a:prstDash val="solid"/>
+                      <a:round/>
+                      <a:headEnd type="none" w="med" len="med"/>
+                      <a:tailEnd type="none" w="med" len="med"/>
+                    </a:lnL>
+                    <a:solidFill>
+                      <a:schemeClr val="tx1"/>
+                    </a:solidFill>
+                  </a:tcPr>
+                </a:tc>
+                <a:tc>
+                  <a:txBody>
+                    <a:bodyPr/>
+                    <a:lstStyle/>
+                    <a:p>
+                      <a:endParaRPr lang="en-US"/>
+                    </a:p>
+                  </a:txBody>
+                  <a:tcPr>
+                    <a:solidFill>
+                      <a:schemeClr val="tx1"/>
+                    </a:solidFill>
+                  </a:tcPr>
+                </a:tc>
+                <a:tc>
+                  <a:txBody>
+                    <a:bodyPr/>
+                    <a:lstStyle/>
+                    <a:p>
+                      <a:endParaRPr lang="en-US"/>
+                    </a:p>
+                  </a:txBody>
+                  <a:tcPr>
+                    <a:solidFill>
+                      <a:schemeClr val="tx1"/>
+                    </a:solidFill>
+                  </a:tcPr>
+                </a:tc>
+                <a:tc>
+                  <a:txBody>
+                    <a:bodyPr/>
+                    <a:lstStyle/>
+                    <a:p>
+                      <a:endParaRPr lang="en-US"/>
+                    </a:p>
+                  </a:txBody>
+                  <a:tcPr>
+                    <a:solidFill>
+                      <a:schemeClr val="bg1">
+                        <a:lumMod val="85000"/>
+                      </a:schemeClr>
+                    </a:solidFill>
+                  </a:tcPr>
+                </a:tc>
+                <a:tc>
+                  <a:txBody>
+                    <a:bodyPr/>
+                    <a:lstStyle/>
+                    <a:p>
+                      <a:endParaRPr lang="en-US"/>
+                    </a:p>
+                  </a:txBody>
+                  <a:tcPr>
+                    <a:solidFill>
+                      <a:schemeClr val="bg1">
+                        <a:lumMod val="85000"/>
+                      </a:schemeClr>
+                    </a:solidFill>
+                  </a:tcPr>
+                </a:tc>
+                <a:tc>
+                  <a:txBody>
+                    <a:bodyPr/>
+                    <a:lstStyle/>
+                    <a:p>
+                      <a:endParaRPr lang="en-US"/>
+                    </a:p>
+                  </a:txBody>
+                  <a:tcPr>
+                    <a:solidFill>
+                      <a:schemeClr val="bg1">
+                        <a:lumMod val="85000"/>
+                      </a:schemeClr>
+                    </a:solidFill>
+                  </a:tcPr>
+                </a:tc>
+                <a:tc>
+                  <a:txBody>
+                    <a:bodyPr/>
+                    <a:lstStyle/>
+                    <a:p>
+                      <a:endParaRPr lang="en-US"/>
+                    </a:p>
+                  </a:txBody>
+                  <a:tcPr>
+                    <a:solidFill>
+                      <a:schemeClr val="bg1">
+                        <a:lumMod val="85000"/>
+                      </a:schemeClr>
+                    </a:solidFill>
+                  </a:tcPr>
+                </a:tc>
+                <a:tc>
+                  <a:txBody>
+                    <a:bodyPr/>
+                    <a:lstStyle/>
+                    <a:p>
+                      <a:endParaRPr lang="en-US"/>
+                    </a:p>
+                  </a:txBody>
+                  <a:tcPr>
+                    <a:solidFill>
+                      <a:schemeClr val="bg1">
+                        <a:lumMod val="85000"/>
+                      </a:schemeClr>
+                    </a:solidFill>
+                  </a:tcPr>
+                </a:tc>
+                <a:tc>
+                  <a:txBody>
+                    <a:bodyPr/>
+                    <a:lstStyle/>
+                    <a:p>
+                      <a:endParaRPr lang="en-US" dirty="0"/>
+                    </a:p>
+                  </a:txBody>
+                  <a:tcPr>
+                    <a:lnR w="57150" cap="flat" cmpd="sng" algn="ctr">
+                      <a:solidFill>
+                        <a:srgbClr val="002060"/>
+                      </a:solidFill>
+                      <a:prstDash val="solid"/>
+                      <a:round/>
+                      <a:headEnd type="none" w="med" len="med"/>
+                      <a:tailEnd type="none" w="med" len="med"/>
+                    </a:lnR>
+                    <a:solidFill>
+                      <a:schemeClr val="bg1">
+                        <a:lumMod val="85000"/>
+                      </a:schemeClr>
+                    </a:solidFill>
+                  </a:tcPr>
+                </a:tc>
+                <a:tc>
+                  <a:txBody>
+                    <a:bodyPr/>
+                    <a:lstStyle/>
+                    <a:p>
+                      <a:endParaRPr lang="en-US"/>
+                    </a:p>
+                  </a:txBody>
+                  <a:tcPr>
+                    <a:lnL w="57150" cap="flat" cmpd="sng" algn="ctr">
+                      <a:solidFill>
+                        <a:srgbClr val="002060"/>
+                      </a:solidFill>
+                      <a:prstDash val="solid"/>
+                      <a:round/>
+                      <a:headEnd type="none" w="med" len="med"/>
+                      <a:tailEnd type="none" w="med" len="med"/>
+                    </a:lnL>
+                    <a:solidFill>
+                      <a:schemeClr val="bg1">
+                        <a:lumMod val="85000"/>
+                      </a:schemeClr>
+                    </a:solidFill>
+                  </a:tcPr>
+                </a:tc>
+                <a:tc>
+                  <a:txBody>
+                    <a:bodyPr/>
+                    <a:lstStyle/>
+                    <a:p>
+                      <a:endParaRPr lang="en-US"/>
+                    </a:p>
+                  </a:txBody>
+                  <a:tcPr>
+                    <a:solidFill>
+                      <a:schemeClr val="bg1">
+                        <a:lumMod val="85000"/>
+                      </a:schemeClr>
+                    </a:solidFill>
+                  </a:tcPr>
+                </a:tc>
+                <a:tc>
+                  <a:txBody>
+                    <a:bodyPr/>
+                    <a:lstStyle/>
+                    <a:p>
+                      <a:endParaRPr lang="en-US"/>
+                    </a:p>
+                  </a:txBody>
+                  <a:tcPr>
+                    <a:solidFill>
+                      <a:schemeClr val="bg1">
+                        <a:lumMod val="85000"/>
+                      </a:schemeClr>
+                    </a:solidFill>
+                  </a:tcPr>
+                </a:tc>
+                <a:tc>
+                  <a:txBody>
+                    <a:bodyPr/>
+                    <a:lstStyle/>
+                    <a:p>
+                      <a:endParaRPr lang="en-US"/>
+                    </a:p>
+                  </a:txBody>
+                  <a:tcPr>
+                    <a:solidFill>
+                      <a:schemeClr val="bg1">
+                        <a:lumMod val="85000"/>
+                      </a:schemeClr>
+                    </a:solidFill>
+                  </a:tcPr>
+                </a:tc>
+                <a:tc>
+                  <a:txBody>
+                    <a:bodyPr/>
+                    <a:lstStyle/>
+                    <a:p>
+                      <a:endParaRPr lang="en-US"/>
+                    </a:p>
+                  </a:txBody>
+                  <a:tcPr>
+                    <a:solidFill>
+                      <a:schemeClr val="bg1">
+                        <a:lumMod val="85000"/>
+                      </a:schemeClr>
+                    </a:solidFill>
+                  </a:tcPr>
+                </a:tc>
+                <a:tc>
+                  <a:txBody>
+                    <a:bodyPr/>
+                    <a:lstStyle/>
+                    <a:p>
+                      <a:endParaRPr lang="en-US"/>
+                    </a:p>
+                  </a:txBody>
+                  <a:tcPr>
+                    <a:lnR w="57150" cap="flat" cmpd="sng" algn="ctr">
+                      <a:solidFill>
+                        <a:srgbClr val="FF0000"/>
+                      </a:solidFill>
+                      <a:prstDash val="solid"/>
+                      <a:round/>
+                      <a:headEnd type="none" w="med" len="med"/>
+                      <a:tailEnd type="none" w="med" len="med"/>
+                    </a:lnR>
+                    <a:solidFill>
+                      <a:schemeClr val="bg1">
+                        <a:lumMod val="85000"/>
+                      </a:schemeClr>
+                    </a:solidFill>
+                  </a:tcPr>
+                </a:tc>
+                <a:extLst>
+                  <a:ext uri="{0D108BD9-81ED-4DB2-BD59-A6C34878D82A}">
+                    <a16:rowId xmlns:a16="http://schemas.microsoft.com/office/drawing/2014/main" val="2395369971"/>
+                  </a:ext>
+                </a:extLst>
+              </a:tr>
+              <a:tr h="365760">
+                <a:tc>
+                  <a:txBody>
+                    <a:bodyPr/>
+                    <a:lstStyle/>
+                    <a:p>
+                      <a:endParaRPr lang="en-US" dirty="0"/>
+                    </a:p>
+                  </a:txBody>
+                  <a:tcPr>
+                    <a:lnL w="57150" cap="flat" cmpd="sng" algn="ctr">
+                      <a:solidFill>
+                        <a:srgbClr val="002060"/>
+                      </a:solidFill>
+                      <a:prstDash val="solid"/>
+                      <a:round/>
+                      <a:headEnd type="none" w="med" len="med"/>
+                      <a:tailEnd type="none" w="med" len="med"/>
+                    </a:lnL>
+                    <a:lnB w="57150" cap="flat" cmpd="sng" algn="ctr">
+                      <a:solidFill>
+                        <a:srgbClr val="002060"/>
+                      </a:solidFill>
+                      <a:prstDash val="solid"/>
+                      <a:round/>
+                      <a:headEnd type="none" w="med" len="med"/>
+                      <a:tailEnd type="none" w="med" len="med"/>
+                    </a:lnB>
+                    <a:solidFill>
+                      <a:schemeClr val="tx1"/>
+                    </a:solidFill>
+                  </a:tcPr>
+                </a:tc>
+                <a:tc>
+                  <a:txBody>
+                    <a:bodyPr/>
+                    <a:lstStyle/>
+                    <a:p>
+                      <a:endParaRPr lang="en-US" dirty="0"/>
+                    </a:p>
+                  </a:txBody>
+                  <a:tcPr>
+                    <a:lnB w="57150" cap="flat" cmpd="sng" algn="ctr">
+                      <a:solidFill>
+                        <a:srgbClr val="002060"/>
+                      </a:solidFill>
+                      <a:prstDash val="solid"/>
+                      <a:round/>
+                      <a:headEnd type="none" w="med" len="med"/>
+                      <a:tailEnd type="none" w="med" len="med"/>
+                    </a:lnB>
+                    <a:solidFill>
+                      <a:schemeClr val="tx1"/>
+                    </a:solidFill>
+                  </a:tcPr>
+                </a:tc>
+                <a:tc>
+                  <a:txBody>
+                    <a:bodyPr/>
+                    <a:lstStyle/>
+                    <a:p>
+                      <a:endParaRPr lang="en-US" dirty="0"/>
+                    </a:p>
+                  </a:txBody>
+                  <a:tcPr>
+                    <a:lnB w="57150" cap="flat" cmpd="sng" algn="ctr">
+                      <a:solidFill>
+                        <a:srgbClr val="002060"/>
+                      </a:solidFill>
+                      <a:prstDash val="solid"/>
+                      <a:round/>
+                      <a:headEnd type="none" w="med" len="med"/>
+                      <a:tailEnd type="none" w="med" len="med"/>
+                    </a:lnB>
+                    <a:solidFill>
+                      <a:schemeClr val="tx1"/>
+                    </a:solidFill>
+                  </a:tcPr>
+                </a:tc>
+                <a:tc>
+                  <a:txBody>
+                    <a:bodyPr/>
+                    <a:lstStyle/>
+                    <a:p>
+                      <a:endParaRPr lang="en-US" dirty="0"/>
+                    </a:p>
+                  </a:txBody>
+                  <a:tcPr>
+                    <a:lnB w="57150" cap="flat" cmpd="sng" algn="ctr">
+                      <a:solidFill>
+                        <a:srgbClr val="002060"/>
+                      </a:solidFill>
+                      <a:prstDash val="solid"/>
+                      <a:round/>
+                      <a:headEnd type="none" w="med" len="med"/>
+                      <a:tailEnd type="none" w="med" len="med"/>
+                    </a:lnB>
+                    <a:solidFill>
+                      <a:schemeClr val="bg1">
+                        <a:lumMod val="85000"/>
+                      </a:schemeClr>
+                    </a:solidFill>
+                  </a:tcPr>
+                </a:tc>
+                <a:tc>
+                  <a:txBody>
+                    <a:bodyPr/>
+                    <a:lstStyle/>
+                    <a:p>
+                      <a:endParaRPr lang="en-US" dirty="0"/>
+                    </a:p>
+                  </a:txBody>
+                  <a:tcPr>
+                    <a:lnB w="57150" cap="flat" cmpd="sng" algn="ctr">
+                      <a:solidFill>
+                        <a:srgbClr val="002060"/>
+                      </a:solidFill>
+                      <a:prstDash val="solid"/>
+                      <a:round/>
+                      <a:headEnd type="none" w="med" len="med"/>
+                      <a:tailEnd type="none" w="med" len="med"/>
+                    </a:lnB>
+                    <a:solidFill>
+                      <a:schemeClr val="bg1">
+                        <a:lumMod val="85000"/>
+                      </a:schemeClr>
+                    </a:solidFill>
+                  </a:tcPr>
+                </a:tc>
+                <a:tc>
+                  <a:txBody>
+                    <a:bodyPr/>
+                    <a:lstStyle/>
+                    <a:p>
+                      <a:endParaRPr lang="en-US" dirty="0"/>
+                    </a:p>
+                  </a:txBody>
+                  <a:tcPr>
+                    <a:lnB w="57150" cap="flat" cmpd="sng" algn="ctr">
+                      <a:solidFill>
+                        <a:srgbClr val="002060"/>
+                      </a:solidFill>
+                      <a:prstDash val="solid"/>
+                      <a:round/>
+                      <a:headEnd type="none" w="med" len="med"/>
+                      <a:tailEnd type="none" w="med" len="med"/>
+                    </a:lnB>
+                    <a:solidFill>
+                      <a:schemeClr val="bg1">
+                        <a:lumMod val="85000"/>
+                      </a:schemeClr>
+                    </a:solidFill>
+                  </a:tcPr>
+                </a:tc>
+                <a:tc>
+                  <a:txBody>
+                    <a:bodyPr/>
+                    <a:lstStyle/>
+                    <a:p>
+                      <a:endParaRPr lang="en-US" dirty="0"/>
+                    </a:p>
+                  </a:txBody>
+                  <a:tcPr>
+                    <a:lnB w="57150" cap="flat" cmpd="sng" algn="ctr">
+                      <a:solidFill>
+                        <a:srgbClr val="002060"/>
+                      </a:solidFill>
+                      <a:prstDash val="solid"/>
+                      <a:round/>
+                      <a:headEnd type="none" w="med" len="med"/>
+                      <a:tailEnd type="none" w="med" len="med"/>
+                    </a:lnB>
+                    <a:solidFill>
+                      <a:schemeClr val="bg1">
+                        <a:lumMod val="85000"/>
+                      </a:schemeClr>
+                    </a:solidFill>
+                  </a:tcPr>
+                </a:tc>
+                <a:tc>
+                  <a:txBody>
+                    <a:bodyPr/>
+                    <a:lstStyle/>
+                    <a:p>
+                      <a:endParaRPr lang="en-US" dirty="0"/>
+                    </a:p>
+                  </a:txBody>
+                  <a:tcPr>
+                    <a:lnB w="57150" cap="flat" cmpd="sng" algn="ctr">
+                      <a:solidFill>
+                        <a:srgbClr val="002060"/>
+                      </a:solidFill>
+                      <a:prstDash val="solid"/>
+                      <a:round/>
+                      <a:headEnd type="none" w="med" len="med"/>
+                      <a:tailEnd type="none" w="med" len="med"/>
+                    </a:lnB>
+                    <a:solidFill>
+                      <a:schemeClr val="bg1">
+                        <a:lumMod val="85000"/>
+                      </a:schemeClr>
+                    </a:solidFill>
+                  </a:tcPr>
+                </a:tc>
+                <a:tc>
+                  <a:txBody>
+                    <a:bodyPr/>
+                    <a:lstStyle/>
+                    <a:p>
+                      <a:endParaRPr lang="en-US" dirty="0"/>
+                    </a:p>
+                  </a:txBody>
+                  <a:tcPr>
+                    <a:lnR w="57150" cap="flat" cmpd="sng" algn="ctr">
+                      <a:solidFill>
+                        <a:srgbClr val="002060"/>
+                      </a:solidFill>
+                      <a:prstDash val="solid"/>
+                      <a:round/>
+                      <a:headEnd type="none" w="med" len="med"/>
+                      <a:tailEnd type="none" w="med" len="med"/>
+                    </a:lnR>
+                    <a:lnB w="57150" cap="flat" cmpd="sng" algn="ctr">
+                      <a:solidFill>
+                        <a:srgbClr val="002060"/>
+                      </a:solidFill>
+                      <a:prstDash val="solid"/>
+                      <a:round/>
+                      <a:headEnd type="none" w="med" len="med"/>
+                      <a:tailEnd type="none" w="med" len="med"/>
+                    </a:lnB>
+                    <a:solidFill>
+                      <a:schemeClr val="bg1">
+                        <a:lumMod val="85000"/>
+                      </a:schemeClr>
+                    </a:solidFill>
+                  </a:tcPr>
+                </a:tc>
+                <a:tc>
+                  <a:txBody>
+                    <a:bodyPr/>
+                    <a:lstStyle/>
+                    <a:p>
+                      <a:endParaRPr lang="en-US" dirty="0"/>
+                    </a:p>
+                  </a:txBody>
+                  <a:tcPr>
+                    <a:lnL w="57150" cap="flat" cmpd="sng" algn="ctr">
+                      <a:solidFill>
+                        <a:srgbClr val="002060"/>
+                      </a:solidFill>
+                      <a:prstDash val="solid"/>
+                      <a:round/>
+                      <a:headEnd type="none" w="med" len="med"/>
+                      <a:tailEnd type="none" w="med" len="med"/>
+                    </a:lnL>
+                    <a:lnB w="57150" cap="flat" cmpd="sng" algn="ctr">
+                      <a:solidFill>
+                        <a:srgbClr val="FF0000"/>
+                      </a:solidFill>
+                      <a:prstDash val="solid"/>
+                      <a:round/>
+                      <a:headEnd type="none" w="med" len="med"/>
+                      <a:tailEnd type="none" w="med" len="med"/>
+                    </a:lnB>
+                    <a:solidFill>
+                      <a:schemeClr val="bg1">
+                        <a:lumMod val="85000"/>
+                      </a:schemeClr>
+                    </a:solidFill>
+                  </a:tcPr>
+                </a:tc>
+                <a:tc>
+                  <a:txBody>
+                    <a:bodyPr/>
+                    <a:lstStyle/>
+                    <a:p>
+                      <a:endParaRPr lang="en-US" dirty="0"/>
+                    </a:p>
+                  </a:txBody>
+                  <a:tcPr>
+                    <a:lnB w="57150" cap="flat" cmpd="sng" algn="ctr">
+                      <a:solidFill>
+                        <a:srgbClr val="FF0000"/>
+                      </a:solidFill>
+                      <a:prstDash val="solid"/>
+                      <a:round/>
+                      <a:headEnd type="none" w="med" len="med"/>
+                      <a:tailEnd type="none" w="med" len="med"/>
+                    </a:lnB>
+                    <a:solidFill>
+                      <a:schemeClr val="bg1">
+                        <a:lumMod val="85000"/>
+                      </a:schemeClr>
+                    </a:solidFill>
+                  </a:tcPr>
+                </a:tc>
+                <a:tc>
+                  <a:txBody>
+                    <a:bodyPr/>
+                    <a:lstStyle/>
+                    <a:p>
+                      <a:endParaRPr lang="en-US" dirty="0"/>
+                    </a:p>
+                  </a:txBody>
+                  <a:tcPr>
+                    <a:lnB w="57150" cap="flat" cmpd="sng" algn="ctr">
+                      <a:solidFill>
+                        <a:srgbClr val="FF0000"/>
+                      </a:solidFill>
+                      <a:prstDash val="solid"/>
+                      <a:round/>
+                      <a:headEnd type="none" w="med" len="med"/>
+                      <a:tailEnd type="none" w="med" len="med"/>
+                    </a:lnB>
+                    <a:solidFill>
+                      <a:schemeClr val="bg1">
+                        <a:lumMod val="85000"/>
+                      </a:schemeClr>
+                    </a:solidFill>
+                  </a:tcPr>
+                </a:tc>
+                <a:tc>
+                  <a:txBody>
+                    <a:bodyPr/>
+                    <a:lstStyle/>
+                    <a:p>
+                      <a:endParaRPr lang="en-US" dirty="0"/>
+                    </a:p>
+                  </a:txBody>
+                  <a:tcPr>
+                    <a:lnB w="57150" cap="flat" cmpd="sng" algn="ctr">
+                      <a:solidFill>
+                        <a:srgbClr val="FF0000"/>
+                      </a:solidFill>
+                      <a:prstDash val="solid"/>
+                      <a:round/>
+                      <a:headEnd type="none" w="med" len="med"/>
+                      <a:tailEnd type="none" w="med" len="med"/>
+                    </a:lnB>
+                    <a:solidFill>
+                      <a:schemeClr val="bg1">
+                        <a:lumMod val="85000"/>
+                      </a:schemeClr>
+                    </a:solidFill>
+                  </a:tcPr>
+                </a:tc>
+                <a:tc>
+                  <a:txBody>
+                    <a:bodyPr/>
+                    <a:lstStyle/>
+                    <a:p>
+                      <a:endParaRPr lang="en-US" dirty="0"/>
+                    </a:p>
+                  </a:txBody>
+                  <a:tcPr>
+                    <a:lnB w="57150" cap="flat" cmpd="sng" algn="ctr">
+                      <a:solidFill>
+                        <a:srgbClr val="FF0000"/>
+                      </a:solidFill>
+                      <a:prstDash val="solid"/>
+                      <a:round/>
+                      <a:headEnd type="none" w="med" len="med"/>
+                      <a:tailEnd type="none" w="med" len="med"/>
+                    </a:lnB>
+                    <a:solidFill>
+                      <a:schemeClr val="bg1">
+                        <a:lumMod val="85000"/>
+                      </a:schemeClr>
+                    </a:solidFill>
+                  </a:tcPr>
+                </a:tc>
+                <a:tc>
+                  <a:txBody>
+                    <a:bodyPr/>
+                    <a:lstStyle/>
+                    <a:p>
+                      <a:endParaRPr lang="en-US" dirty="0"/>
+                    </a:p>
+                  </a:txBody>
+                  <a:tcPr>
+                    <a:lnR w="57150" cap="flat" cmpd="sng" algn="ctr">
+                      <a:solidFill>
+                        <a:srgbClr val="FF0000"/>
+                      </a:solidFill>
+                      <a:prstDash val="solid"/>
+                      <a:round/>
+                      <a:headEnd type="none" w="med" len="med"/>
+                      <a:tailEnd type="none" w="med" len="med"/>
+                    </a:lnR>
+                    <a:lnB w="57150" cap="flat" cmpd="sng" algn="ctr">
+                      <a:solidFill>
+                        <a:srgbClr val="FF0000"/>
+                      </a:solidFill>
+                      <a:prstDash val="solid"/>
+                      <a:round/>
+                      <a:headEnd type="none" w="med" len="med"/>
+                      <a:tailEnd type="none" w="med" len="med"/>
+                    </a:lnB>
                     <a:solidFill>
                       <a:schemeClr val="bg1">
                         <a:lumMod val="85000"/>
@@ -6099,36 +10227,6 @@
           <a:chExt cx="0" cy="0"/>
         </a:xfrm>
       </p:grpSpPr>
-      <p:pic>
-        <p:nvPicPr>
-          <p:cNvPr id="3" name="Picture 2">
-            <a:extLst>
-              <a:ext uri="{FF2B5EF4-FFF2-40B4-BE49-F238E27FC236}">
-                <a16:creationId xmlns:a16="http://schemas.microsoft.com/office/drawing/2014/main" id="{EDEA4829-D6BF-5846-8CB5-66EB1E3A7BA4}"/>
-              </a:ext>
-            </a:extLst>
-          </p:cNvPr>
-          <p:cNvPicPr>
-            <a:picLocks noChangeAspect="1"/>
-          </p:cNvPicPr>
-          <p:nvPr/>
-        </p:nvPicPr>
-        <p:blipFill>
-          <a:blip r:embed="rId2"/>
-          <a:stretch>
-            <a:fillRect/>
-          </a:stretch>
-        </p:blipFill>
-        <p:spPr>
-          <a:xfrm>
-            <a:off x="3803650" y="2051050"/>
-            <a:ext cx="4584700" cy="2755900"/>
-          </a:xfrm>
-          <a:prstGeom prst="rect">
-            <a:avLst/>
-          </a:prstGeom>
-        </p:spPr>
-      </p:pic>
     </p:spTree>
     <p:extLst>
       <p:ext uri="{BB962C8B-B14F-4D97-AF65-F5344CB8AC3E}">
